--- a/BCI - Batch2 - Day8 - Node & Express 2.pptx
+++ b/BCI - Batch2 - Day8 - Node & Express 2.pptx
@@ -10,23 +10,21 @@
   <p:sldIdLst>
     <p:sldId id="1833" r:id="rId3"/>
     <p:sldId id="1387" r:id="rId4"/>
-    <p:sldId id="1973" r:id="rId6"/>
-    <p:sldId id="1974" r:id="rId7"/>
-    <p:sldId id="1975" r:id="rId8"/>
-    <p:sldId id="1985" r:id="rId9"/>
-    <p:sldId id="1976" r:id="rId10"/>
-    <p:sldId id="1986" r:id="rId11"/>
-    <p:sldId id="1977" r:id="rId12"/>
-    <p:sldId id="1984" r:id="rId13"/>
-    <p:sldId id="1978" r:id="rId14"/>
-    <p:sldId id="1979" r:id="rId15"/>
-    <p:sldId id="1980" r:id="rId16"/>
-    <p:sldId id="1981" r:id="rId17"/>
-    <p:sldId id="1982" r:id="rId18"/>
-    <p:sldId id="1983" r:id="rId19"/>
-    <p:sldId id="1897" r:id="rId20"/>
-    <p:sldId id="1898" r:id="rId21"/>
-    <p:sldId id="1899" r:id="rId22"/>
+    <p:sldId id="1988" r:id="rId6"/>
+    <p:sldId id="1973" r:id="rId7"/>
+    <p:sldId id="1974" r:id="rId8"/>
+    <p:sldId id="1975" r:id="rId9"/>
+    <p:sldId id="1985" r:id="rId10"/>
+    <p:sldId id="1976" r:id="rId11"/>
+    <p:sldId id="1986" r:id="rId12"/>
+    <p:sldId id="1977" r:id="rId13"/>
+    <p:sldId id="1979" r:id="rId14"/>
+    <p:sldId id="1980" r:id="rId15"/>
+    <p:sldId id="1982" r:id="rId16"/>
+    <p:sldId id="1983" r:id="rId17"/>
+    <p:sldId id="1978" r:id="rId18"/>
+    <p:sldId id="1987" r:id="rId19"/>
+    <p:sldId id="1981" r:id="rId20"/>
   </p:sldIdLst>
   <p:sldSz cx="9144000" cy="6858000" type="screen4x3"/>
   <p:notesSz cx="7315200" cy="9601200"/>
@@ -482,6 +480,102 @@
 </file>
 
 <file path=ppt/notesSlides/notesSlide1.xml><?xml version="1.0" encoding="utf-8"?>
+<p:notes xmlns:a="http://schemas.openxmlformats.org/drawingml/2006/main" xmlns:r="http://schemas.openxmlformats.org/officeDocument/2006/relationships" xmlns:p="http://schemas.openxmlformats.org/presentationml/2006/main">
+  <p:cSld>
+    <p:spTree>
+      <p:nvGrpSpPr>
+        <p:cNvPr id="1" name=""/>
+        <p:cNvGrpSpPr/>
+        <p:nvPr/>
+      </p:nvGrpSpPr>
+      <p:grpSpPr>
+        <a:xfrm>
+          <a:off x="0" y="0"/>
+          <a:ext cx="0" cy="0"/>
+          <a:chOff x="0" y="0"/>
+          <a:chExt cx="0" cy="0"/>
+        </a:xfrm>
+      </p:grpSpPr>
+      <p:sp>
+        <p:nvSpPr>
+          <p:cNvPr id="22529" name="Slide Image Placeholder 1"/>
+          <p:cNvSpPr>
+            <a:spLocks noGrp="1" noRot="1" noChangeAspect="1"/>
+          </p:cNvSpPr>
+          <p:nvPr>
+            <p:ph type="sldImg"/>
+          </p:nvPr>
+        </p:nvSpPr>
+        <p:spPr/>
+      </p:sp>
+      <p:sp>
+        <p:nvSpPr>
+          <p:cNvPr id="22530" name="Notes Placeholder 2"/>
+          <p:cNvSpPr>
+            <a:spLocks noGrp="1"/>
+          </p:cNvSpPr>
+          <p:nvPr>
+            <p:ph type="body"/>
+          </p:nvPr>
+        </p:nvSpPr>
+        <p:spPr>
+          <a:noFill/>
+          <a:ln>
+            <a:noFill/>
+          </a:ln>
+        </p:spPr>
+        <p:txBody>
+          <a:bodyPr lIns="0" tIns="0" rIns="0" bIns="0" anchor="t"/>
+          <a:lstStyle/>
+          <a:p>
+            <a:pPr indent="-36195"/>
+            <a:endParaRPr lang="en-GB" altLang="zh-CN"/>
+          </a:p>
+        </p:txBody>
+      </p:sp>
+      <p:sp>
+        <p:nvSpPr>
+          <p:cNvPr id="22531" name="Slide Number Placeholder 3"/>
+          <p:cNvSpPr>
+            <a:spLocks noGrp="1"/>
+          </p:cNvSpPr>
+          <p:nvPr>
+            <p:ph type="sldNum" sz="quarter"/>
+          </p:nvPr>
+        </p:nvSpPr>
+        <p:spPr>
+          <a:xfrm>
+            <a:off x="5867400" y="8686800"/>
+            <a:ext cx="609600" cy="227013"/>
+          </a:xfrm>
+          <a:prstGeom prst="rect">
+            <a:avLst/>
+          </a:prstGeom>
+          <a:noFill/>
+          <a:ln w="9525">
+            <a:noFill/>
+          </a:ln>
+        </p:spPr>
+        <p:txBody>
+          <a:bodyPr lIns="0" tIns="0" rIns="0" bIns="0" anchor="ctr"/>
+          <a:lstStyle/>
+          <a:p>
+            <a:fld id="{9A0DB2DC-4C9A-4742-B13C-FB6460FD3503}" type="slidenum">
+              <a:rPr lang="en-GB" altLang="zh-CN" sz="900"/>
+            </a:fld>
+            <a:endParaRPr lang="en-GB" altLang="zh-CN" sz="900"/>
+          </a:p>
+        </p:txBody>
+      </p:sp>
+    </p:spTree>
+  </p:cSld>
+  <p:clrMapOvr>
+    <a:masterClrMapping/>
+  </p:clrMapOvr>
+</p:notes>
+</file>
+
+<file path=ppt/notesSlides/notesSlide2.xml><?xml version="1.0" encoding="utf-8"?>
 <p:notes xmlns:a="http://schemas.openxmlformats.org/drawingml/2006/main" xmlns:r="http://schemas.openxmlformats.org/officeDocument/2006/relationships" xmlns:p="http://schemas.openxmlformats.org/presentationml/2006/main">
   <p:cSld>
     <p:spTree>
@@ -7314,7 +7408,7 @@
                 <a:latin typeface="Calibri" panose="020F0502020204030204" pitchFamily="34" charset="0"/>
                 <a:cs typeface="Calibri" panose="020F0502020204030204" pitchFamily="34" charset="0"/>
               </a:rPr>
-              <a:t>Views: Code Demo</a:t>
+              <a:t>Form</a:t>
             </a:r>
             <a:endParaRPr lang="en-US" altLang="zh-CN" sz="3200" b="1" dirty="0">
               <a:latin typeface="Calibri" panose="020F0502020204030204" pitchFamily="34" charset="0"/>
@@ -7353,102 +7447,17 @@
             <a:r>
               <a:rPr lang="en-US" altLang="en-US" sz="1780" dirty="0">
                 <a:solidFill>
-                  <a:schemeClr val="tx1"/>
+                  <a:srgbClr val="262626"/>
                 </a:solidFill>
               </a:rPr>
-              <a:t>add views to node js apiCod</a:t>
+              <a:t>1 specify Router</a:t>
             </a:r>
             <a:endParaRPr lang="en-US" altLang="en-US" sz="1780" dirty="0">
               <a:solidFill>
-                <a:schemeClr val="tx1"/>
+                <a:srgbClr val="262626"/>
               </a:solidFill>
             </a:endParaRPr>
           </a:p>
-        </p:txBody>
-      </p:sp>
-    </p:spTree>
-  </p:cSld>
-  <p:clrMapOvr>
-    <a:masterClrMapping/>
-  </p:clrMapOvr>
-</p:sld>
-</file>
-
-<file path=ppt/slides/slide11.xml><?xml version="1.0" encoding="utf-8"?>
-<p:sld xmlns:a="http://schemas.openxmlformats.org/drawingml/2006/main" xmlns:r="http://schemas.openxmlformats.org/officeDocument/2006/relationships" xmlns:p="http://schemas.openxmlformats.org/presentationml/2006/main">
-  <p:cSld>
-    <p:spTree>
-      <p:nvGrpSpPr>
-        <p:cNvPr id="1" name=""/>
-        <p:cNvGrpSpPr/>
-        <p:nvPr/>
-      </p:nvGrpSpPr>
-      <p:grpSpPr>
-        <a:xfrm>
-          <a:off x="0" y="0"/>
-          <a:ext cx="0" cy="0"/>
-          <a:chOff x="0" y="0"/>
-          <a:chExt cx="0" cy="0"/>
-        </a:xfrm>
-      </p:grpSpPr>
-      <p:sp>
-        <p:nvSpPr>
-          <p:cNvPr id="2" name="Title 1"/>
-          <p:cNvSpPr>
-            <a:spLocks noGrp="1"/>
-          </p:cNvSpPr>
-          <p:nvPr>
-            <p:ph type="title"/>
-          </p:nvPr>
-        </p:nvSpPr>
-        <p:spPr>
-          <a:xfrm>
-            <a:off x="628650" y="155263"/>
-            <a:ext cx="7886700" cy="526790"/>
-          </a:xfrm>
-        </p:spPr>
-        <p:txBody>
-          <a:bodyPr>
-            <a:normAutofit fontScale="90000"/>
-          </a:bodyPr>
-          <a:lstStyle/>
-          <a:p>
-            <a:pPr algn="ctr"/>
-            <a:r>
-              <a:rPr lang="en-US" altLang="zh-CN" sz="3200" b="1" dirty="0">
-                <a:latin typeface="Calibri" panose="020F0502020204030204" pitchFamily="34" charset="0"/>
-                <a:cs typeface="Calibri" panose="020F0502020204030204" pitchFamily="34" charset="0"/>
-              </a:rPr>
-              <a:t>How to use JWT on client side</a:t>
-            </a:r>
-            <a:endParaRPr lang="en-US" altLang="zh-CN" sz="3200" b="1" dirty="0">
-              <a:latin typeface="Calibri" panose="020F0502020204030204" pitchFamily="34" charset="0"/>
-              <a:cs typeface="Calibri" panose="020F0502020204030204" pitchFamily="34" charset="0"/>
-            </a:endParaRPr>
-          </a:p>
-        </p:txBody>
-      </p:sp>
-      <p:sp>
-        <p:nvSpPr>
-          <p:cNvPr id="3" name="Content Placeholder 2"/>
-          <p:cNvSpPr>
-            <a:spLocks noGrp="1"/>
-          </p:cNvSpPr>
-          <p:nvPr>
-            <p:ph idx="1"/>
-          </p:nvPr>
-        </p:nvSpPr>
-        <p:spPr>
-          <a:xfrm>
-            <a:off x="628650" y="989044"/>
-            <a:ext cx="7886700" cy="5605719"/>
-          </a:xfrm>
-        </p:spPr>
-        <p:txBody>
-          <a:bodyPr>
-            <a:normAutofit lnSpcReduction="20000"/>
-          </a:bodyPr>
-          <a:lstStyle/>
           <a:p>
             <a:pPr defTabSz="342900">
               <a:lnSpc>
@@ -7461,7 +7470,7 @@
                   <a:srgbClr val="262626"/>
                 </a:solidFill>
               </a:rPr>
-              <a:t>get the token from api  </a:t>
+              <a:t>2 specify the request type, usually POST for Forms</a:t>
             </a:r>
             <a:endParaRPr lang="en-US" altLang="en-US" sz="1780" dirty="0">
               <a:solidFill>
@@ -7481,27 +7490,7 @@
                   <a:srgbClr val="262626"/>
                 </a:solidFill>
               </a:rPr>
-              <a:t>1. store it in cookie (demo this method)</a:t>
-            </a:r>
-            <a:endParaRPr lang="en-US" altLang="en-US" sz="1780" dirty="0">
-              <a:solidFill>
-                <a:srgbClr val="262626"/>
-              </a:solidFill>
-            </a:endParaRPr>
-          </a:p>
-          <a:p>
-            <a:pPr defTabSz="342900">
-              <a:lnSpc>
-                <a:spcPct val="120000"/>
-              </a:lnSpc>
-            </a:pPr>
-            <a:r>
-              <a:rPr lang="en-US" altLang="en-US" sz="1780" dirty="0">
-                <a:solidFill>
-                  <a:srgbClr val="262626"/>
-                </a:solidFill>
-              </a:rPr>
-              <a:t>2. store it in localstore</a:t>
+              <a:t>Form will take inputs value as parameters to send to the controller</a:t>
             </a:r>
             <a:endParaRPr lang="en-US" altLang="en-US" sz="1780" dirty="0">
               <a:solidFill>
@@ -7527,74 +7516,6 @@
                 <a:spcPct val="120000"/>
               </a:lnSpc>
             </a:pPr>
-            <a:r>
-              <a:rPr lang="en-US" altLang="en-US" sz="1780" dirty="0">
-                <a:solidFill>
-                  <a:srgbClr val="262626"/>
-                </a:solidFill>
-              </a:rPr>
-              <a:t>Difference</a:t>
-            </a:r>
-            <a:endParaRPr lang="en-US" altLang="en-US" sz="1780" dirty="0">
-              <a:solidFill>
-                <a:srgbClr val="262626"/>
-              </a:solidFill>
-            </a:endParaRPr>
-          </a:p>
-          <a:p>
-            <a:pPr defTabSz="342900">
-              <a:lnSpc>
-                <a:spcPct val="120000"/>
-              </a:lnSpc>
-            </a:pPr>
-            <a:r>
-              <a:rPr lang="en-US" altLang="en-US" sz="1780" dirty="0">
-                <a:solidFill>
-                  <a:srgbClr val="262626"/>
-                </a:solidFill>
-              </a:rPr>
-              <a:t>Local Storage</a:t>
-            </a:r>
-            <a:endParaRPr lang="en-US" altLang="en-US" sz="1780" dirty="0">
-              <a:solidFill>
-                <a:srgbClr val="262626"/>
-              </a:solidFill>
-            </a:endParaRPr>
-          </a:p>
-          <a:p>
-            <a:pPr defTabSz="342900">
-              <a:lnSpc>
-                <a:spcPct val="120000"/>
-              </a:lnSpc>
-            </a:pPr>
-            <a:r>
-              <a:rPr lang="en-US" altLang="en-US" sz="1780" dirty="0">
-                <a:solidFill>
-                  <a:srgbClr val="262626"/>
-                </a:solidFill>
-              </a:rPr>
-              <a:t>Pros: It's convenient.</a:t>
-            </a:r>
-            <a:endParaRPr lang="en-US" altLang="en-US" sz="1780" dirty="0">
-              <a:solidFill>
-                <a:srgbClr val="262626"/>
-              </a:solidFill>
-            </a:endParaRPr>
-          </a:p>
-          <a:p>
-            <a:pPr defTabSz="342900">
-              <a:lnSpc>
-                <a:spcPct val="120000"/>
-              </a:lnSpc>
-            </a:pPr>
-            <a:r>
-              <a:rPr lang="en-US" altLang="en-US" sz="1780" dirty="0">
-                <a:solidFill>
-                  <a:srgbClr val="262626"/>
-                </a:solidFill>
-              </a:rPr>
-              <a:t>Cons: It's vulnerable to XSS attacks.</a:t>
-            </a:r>
             <a:endParaRPr lang="en-US" altLang="en-US" sz="1780" dirty="0">
               <a:solidFill>
                 <a:srgbClr val="262626"/>
@@ -7619,13 +7540,25 @@
                 <a:spcPct val="120000"/>
               </a:lnSpc>
             </a:pPr>
+            <a:endParaRPr lang="en-US" altLang="en-US" sz="1780" dirty="0">
+              <a:solidFill>
+                <a:srgbClr val="262626"/>
+              </a:solidFill>
+            </a:endParaRPr>
+          </a:p>
+          <a:p>
+            <a:pPr defTabSz="342900">
+              <a:lnSpc>
+                <a:spcPct val="120000"/>
+              </a:lnSpc>
+            </a:pPr>
             <a:r>
               <a:rPr lang="en-US" altLang="en-US" sz="1780" dirty="0">
                 <a:solidFill>
                   <a:srgbClr val="262626"/>
                 </a:solidFill>
               </a:rPr>
-              <a:t>Cookies</a:t>
+              <a:t>action should match routes, then the route will call the controller function to handle the request. In this case, put action = /genre/create</a:t>
             </a:r>
             <a:endParaRPr lang="en-US" altLang="en-US" sz="1780" dirty="0">
               <a:solidFill>
@@ -7633,48 +7566,56 @@
               </a:solidFill>
             </a:endParaRPr>
           </a:p>
-          <a:p>
-            <a:pPr defTabSz="342900">
-              <a:lnSpc>
-                <a:spcPct val="120000"/>
-              </a:lnSpc>
-            </a:pPr>
-            <a:r>
-              <a:rPr lang="en-US" altLang="en-US" sz="1780" dirty="0">
-                <a:solidFill>
-                  <a:srgbClr val="262626"/>
-                </a:solidFill>
-              </a:rPr>
-              <a:t>Pros: The cookie is not accessible via JavaScript; hence, it is not as vulnerable to XSS attacks as localStorage.</a:t>
-            </a:r>
-            <a:endParaRPr lang="en-US" altLang="en-US" sz="1780" dirty="0">
-              <a:solidFill>
-                <a:srgbClr val="262626"/>
-              </a:solidFill>
-            </a:endParaRPr>
-          </a:p>
-          <a:p>
-            <a:pPr defTabSz="342900">
-              <a:lnSpc>
-                <a:spcPct val="120000"/>
-              </a:lnSpc>
-            </a:pPr>
-            <a:r>
-              <a:rPr lang="en-US" altLang="en-US" sz="1780" dirty="0">
-                <a:solidFill>
-                  <a:srgbClr val="262626"/>
-                </a:solidFill>
-              </a:rPr>
-              <a:t>Cons: Depending on the use case, you might not be able to store your tokens in the cookies. For Instance: Cookies have a size limit of 4KB.</a:t>
-            </a:r>
-            <a:endParaRPr lang="en-US" altLang="en-US" sz="1780" dirty="0">
-              <a:solidFill>
-                <a:srgbClr val="262626"/>
-              </a:solidFill>
-            </a:endParaRPr>
-          </a:p>
-        </p:txBody>
-      </p:sp>
+        </p:txBody>
+      </p:sp>
+      <p:pic>
+        <p:nvPicPr>
+          <p:cNvPr id="5" name="图片 4"/>
+          <p:cNvPicPr>
+            <a:picLocks noChangeAspect="1"/>
+          </p:cNvPicPr>
+          <p:nvPr/>
+        </p:nvPicPr>
+        <p:blipFill>
+          <a:blip r:embed="rId1"/>
+          <a:stretch>
+            <a:fillRect/>
+          </a:stretch>
+        </p:blipFill>
+        <p:spPr>
+          <a:xfrm>
+            <a:off x="442595" y="2369820"/>
+            <a:ext cx="8258175" cy="1752600"/>
+          </a:xfrm>
+          <a:prstGeom prst="rect">
+            <a:avLst/>
+          </a:prstGeom>
+        </p:spPr>
+      </p:pic>
+      <p:pic>
+        <p:nvPicPr>
+          <p:cNvPr id="6" name="图片 5"/>
+          <p:cNvPicPr>
+            <a:picLocks noChangeAspect="1"/>
+          </p:cNvPicPr>
+          <p:nvPr/>
+        </p:nvPicPr>
+        <p:blipFill>
+          <a:blip r:embed="rId2"/>
+          <a:stretch>
+            <a:fillRect/>
+          </a:stretch>
+        </p:blipFill>
+        <p:spPr>
+          <a:xfrm>
+            <a:off x="257175" y="5055235"/>
+            <a:ext cx="8629650" cy="1285875"/>
+          </a:xfrm>
+          <a:prstGeom prst="rect">
+            <a:avLst/>
+          </a:prstGeom>
+        </p:spPr>
+      </p:pic>
     </p:spTree>
   </p:cSld>
   <p:clrMapOvr>
@@ -7683,7 +7624,7 @@
 </p:sld>
 </file>
 
-<file path=ppt/slides/slide12.xml><?xml version="1.0" encoding="utf-8"?>
+<file path=ppt/slides/slide11.xml><?xml version="1.0" encoding="utf-8"?>
 <p:sld xmlns:a="http://schemas.openxmlformats.org/drawingml/2006/main" xmlns:r="http://schemas.openxmlformats.org/officeDocument/2006/relationships" xmlns:p="http://schemas.openxmlformats.org/presentationml/2006/main">
   <p:cSld>
     <p:spTree>
@@ -7812,7 +7753,7 @@
 </p:sld>
 </file>
 
-<file path=ppt/slides/slide13.xml><?xml version="1.0" encoding="utf-8"?>
+<file path=ppt/slides/slide12.xml><?xml version="1.0" encoding="utf-8"?>
 <p:sld xmlns:a="http://schemas.openxmlformats.org/drawingml/2006/main" xmlns:r="http://schemas.openxmlformats.org/officeDocument/2006/relationships" xmlns:p="http://schemas.openxmlformats.org/presentationml/2006/main">
   <p:cSld>
     <p:spTree>
@@ -7966,19 +7907,6 @@
                 <a:spcPct val="120000"/>
               </a:lnSpc>
             </a:pPr>
-            <a:endParaRPr lang="en-US" altLang="en-US" sz="1775" dirty="0">
-              <a:solidFill>
-                <a:srgbClr val="262626"/>
-              </a:solidFill>
-              <a:sym typeface="+mn-ea"/>
-            </a:endParaRPr>
-          </a:p>
-          <a:p>
-            <a:pPr defTabSz="342900">
-              <a:lnSpc>
-                <a:spcPct val="120000"/>
-              </a:lnSpc>
-            </a:pPr>
             <a:r>
               <a:rPr lang="en-US" altLang="en-US" sz="1775" dirty="0">
                 <a:solidFill>
@@ -7986,7 +7914,7 @@
                 </a:solidFill>
                 <a:sym typeface="+mn-ea"/>
               </a:rPr>
-              <a:t>Compare it with a non api program</a:t>
+              <a:t>Compare it with an non api program</a:t>
             </a:r>
             <a:endParaRPr lang="en-US" altLang="en-US" sz="1775" dirty="0">
               <a:solidFill>
@@ -8032,6 +7960,32 @@
               </a:rPr>
               <a:t>but view and program cannot be separated</a:t>
             </a:r>
+            <a:endParaRPr lang="en-US" altLang="en-US" sz="1775" dirty="0">
+              <a:solidFill>
+                <a:srgbClr val="262626"/>
+              </a:solidFill>
+              <a:sym typeface="+mn-ea"/>
+            </a:endParaRPr>
+          </a:p>
+          <a:p>
+            <a:pPr defTabSz="342900">
+              <a:lnSpc>
+                <a:spcPct val="120000"/>
+              </a:lnSpc>
+            </a:pPr>
+            <a:endParaRPr lang="en-US" altLang="en-US" sz="1775" dirty="0">
+              <a:solidFill>
+                <a:srgbClr val="262626"/>
+              </a:solidFill>
+              <a:sym typeface="+mn-ea"/>
+            </a:endParaRPr>
+          </a:p>
+          <a:p>
+            <a:pPr defTabSz="342900">
+              <a:lnSpc>
+                <a:spcPct val="120000"/>
+              </a:lnSpc>
+            </a:pPr>
             <a:endParaRPr lang="en-US" altLang="en-US" sz="1775" dirty="0">
               <a:solidFill>
                 <a:srgbClr val="262626"/>
@@ -8052,6 +8006,440 @@
           </a:p>
         </p:txBody>
       </p:sp>
+      <p:grpSp>
+        <p:nvGrpSpPr>
+          <p:cNvPr id="13" name="组合 12"/>
+          <p:cNvGrpSpPr/>
+          <p:nvPr/>
+        </p:nvGrpSpPr>
+        <p:grpSpPr>
+          <a:xfrm>
+            <a:off x="3478530" y="4404995"/>
+            <a:ext cx="4975225" cy="1688465"/>
+            <a:chOff x="5478" y="6937"/>
+            <a:chExt cx="7835" cy="2659"/>
+          </a:xfrm>
+        </p:grpSpPr>
+        <p:sp>
+          <p:nvSpPr>
+            <p:cNvPr id="4" name="矩形 3"/>
+            <p:cNvSpPr/>
+            <p:nvPr/>
+          </p:nvSpPr>
+          <p:spPr>
+            <a:xfrm>
+              <a:off x="7203" y="8620"/>
+              <a:ext cx="1339" cy="976"/>
+            </a:xfrm>
+            <a:prstGeom prst="rect">
+              <a:avLst/>
+            </a:prstGeom>
+          </p:spPr>
+          <p:style>
+            <a:lnRef idx="2">
+              <a:schemeClr val="accent1">
+                <a:shade val="50000"/>
+              </a:schemeClr>
+            </a:lnRef>
+            <a:fillRef idx="1">
+              <a:schemeClr val="accent1"/>
+            </a:fillRef>
+            <a:effectRef idx="0">
+              <a:schemeClr val="accent1"/>
+            </a:effectRef>
+            <a:fontRef idx="minor">
+              <a:schemeClr val="lt1"/>
+            </a:fontRef>
+          </p:style>
+          <p:txBody>
+            <a:bodyPr rtlCol="0" anchor="ctr"/>
+            <a:p>
+              <a:pPr algn="ctr"/>
+              <a:r>
+                <a:rPr lang="en-US" altLang="zh-CN"/>
+                <a:t>views</a:t>
+              </a:r>
+              <a:endParaRPr lang="en-US" altLang="zh-CN"/>
+            </a:p>
+          </p:txBody>
+        </p:sp>
+        <p:sp>
+          <p:nvSpPr>
+            <p:cNvPr id="5" name="矩形 4"/>
+            <p:cNvSpPr/>
+            <p:nvPr/>
+          </p:nvSpPr>
+          <p:spPr>
+            <a:xfrm>
+              <a:off x="9263" y="6937"/>
+              <a:ext cx="1792" cy="976"/>
+            </a:xfrm>
+            <a:prstGeom prst="rect">
+              <a:avLst/>
+            </a:prstGeom>
+          </p:spPr>
+          <p:style>
+            <a:lnRef idx="2">
+              <a:schemeClr val="accent3">
+                <a:shade val="50000"/>
+              </a:schemeClr>
+            </a:lnRef>
+            <a:fillRef idx="1">
+              <a:schemeClr val="accent3"/>
+            </a:fillRef>
+            <a:effectRef idx="0">
+              <a:schemeClr val="accent3"/>
+            </a:effectRef>
+            <a:fontRef idx="minor">
+              <a:schemeClr val="lt1"/>
+            </a:fontRef>
+          </p:style>
+          <p:txBody>
+            <a:bodyPr rtlCol="0" anchor="ctr"/>
+            <a:p>
+              <a:pPr algn="ctr"/>
+              <a:r>
+                <a:rPr lang="en-US" altLang="zh-CN"/>
+                <a:t>controller</a:t>
+              </a:r>
+              <a:endParaRPr lang="en-US" altLang="zh-CN"/>
+            </a:p>
+          </p:txBody>
+        </p:sp>
+        <p:sp>
+          <p:nvSpPr>
+            <p:cNvPr id="6" name="矩形 5"/>
+            <p:cNvSpPr/>
+            <p:nvPr/>
+          </p:nvSpPr>
+          <p:spPr>
+            <a:xfrm>
+              <a:off x="11975" y="8620"/>
+              <a:ext cx="1339" cy="976"/>
+            </a:xfrm>
+            <a:prstGeom prst="rect">
+              <a:avLst/>
+            </a:prstGeom>
+          </p:spPr>
+          <p:style>
+            <a:lnRef idx="2">
+              <a:schemeClr val="accent4">
+                <a:shade val="50000"/>
+              </a:schemeClr>
+            </a:lnRef>
+            <a:fillRef idx="1">
+              <a:schemeClr val="accent4"/>
+            </a:fillRef>
+            <a:effectRef idx="0">
+              <a:schemeClr val="accent4"/>
+            </a:effectRef>
+            <a:fontRef idx="minor">
+              <a:schemeClr val="lt1"/>
+            </a:fontRef>
+          </p:style>
+          <p:txBody>
+            <a:bodyPr rtlCol="0" anchor="ctr"/>
+            <a:p>
+              <a:pPr algn="ctr"/>
+              <a:r>
+                <a:rPr lang="en-US" altLang="zh-CN"/>
+                <a:t>model</a:t>
+              </a:r>
+              <a:endParaRPr lang="en-US" altLang="zh-CN"/>
+            </a:p>
+          </p:txBody>
+        </p:sp>
+        <p:sp>
+          <p:nvSpPr>
+            <p:cNvPr id="8" name="椭圆 7"/>
+            <p:cNvSpPr/>
+            <p:nvPr/>
+          </p:nvSpPr>
+          <p:spPr>
+            <a:xfrm>
+              <a:off x="5478" y="7259"/>
+              <a:ext cx="2132" cy="998"/>
+            </a:xfrm>
+            <a:prstGeom prst="ellipse">
+              <a:avLst/>
+            </a:prstGeom>
+          </p:spPr>
+          <p:style>
+            <a:lnRef idx="2">
+              <a:schemeClr val="accent1">
+                <a:shade val="50000"/>
+              </a:schemeClr>
+            </a:lnRef>
+            <a:fillRef idx="1">
+              <a:schemeClr val="accent1"/>
+            </a:fillRef>
+            <a:effectRef idx="0">
+              <a:schemeClr val="accent1"/>
+            </a:effectRef>
+            <a:fontRef idx="minor">
+              <a:schemeClr val="lt1"/>
+            </a:fontRef>
+          </p:style>
+          <p:txBody>
+            <a:bodyPr rtlCol="0" anchor="ctr"/>
+            <a:p>
+              <a:pPr algn="ctr"/>
+              <a:r>
+                <a:rPr lang="en-US" altLang="zh-CN"/>
+                <a:t>request</a:t>
+              </a:r>
+              <a:endParaRPr lang="en-US" altLang="zh-CN"/>
+            </a:p>
+          </p:txBody>
+        </p:sp>
+        <p:cxnSp>
+          <p:nvCxnSpPr>
+            <p:cNvPr id="10" name="直接箭头连接符 9"/>
+            <p:cNvCxnSpPr>
+              <a:stCxn id="8" idx="6"/>
+              <a:endCxn id="5" idx="1"/>
+            </p:cNvCxnSpPr>
+            <p:nvPr/>
+          </p:nvCxnSpPr>
+          <p:spPr>
+            <a:xfrm flipV="1">
+              <a:off x="7610" y="7425"/>
+              <a:ext cx="1653" cy="333"/>
+            </a:xfrm>
+            <a:prstGeom prst="straightConnector1">
+              <a:avLst/>
+            </a:prstGeom>
+            <a:ln>
+              <a:headEnd type="arrow"/>
+              <a:tailEnd type="arrow"/>
+            </a:ln>
+          </p:spPr>
+          <p:style>
+            <a:lnRef idx="1">
+              <a:schemeClr val="accent1"/>
+            </a:lnRef>
+            <a:fillRef idx="0">
+              <a:schemeClr val="accent1"/>
+            </a:fillRef>
+            <a:effectRef idx="0">
+              <a:schemeClr val="accent1"/>
+            </a:effectRef>
+            <a:fontRef idx="minor">
+              <a:schemeClr val="tx1"/>
+            </a:fontRef>
+          </p:style>
+        </p:cxnSp>
+        <p:cxnSp>
+          <p:nvCxnSpPr>
+            <p:cNvPr id="11" name="直接箭头连接符 10"/>
+            <p:cNvCxnSpPr>
+              <a:stCxn id="4" idx="3"/>
+              <a:endCxn id="5" idx="2"/>
+            </p:cNvCxnSpPr>
+            <p:nvPr/>
+          </p:nvCxnSpPr>
+          <p:spPr>
+            <a:xfrm flipV="1">
+              <a:off x="8542" y="7913"/>
+              <a:ext cx="1617" cy="1195"/>
+            </a:xfrm>
+            <a:prstGeom prst="straightConnector1">
+              <a:avLst/>
+            </a:prstGeom>
+            <a:ln>
+              <a:headEnd type="arrow"/>
+              <a:tailEnd type="arrow"/>
+            </a:ln>
+          </p:spPr>
+          <p:style>
+            <a:lnRef idx="1">
+              <a:schemeClr val="accent1"/>
+            </a:lnRef>
+            <a:fillRef idx="0">
+              <a:schemeClr val="accent1"/>
+            </a:fillRef>
+            <a:effectRef idx="0">
+              <a:schemeClr val="accent1"/>
+            </a:effectRef>
+            <a:fontRef idx="minor">
+              <a:schemeClr val="tx1"/>
+            </a:fontRef>
+          </p:style>
+        </p:cxnSp>
+        <p:cxnSp>
+          <p:nvCxnSpPr>
+            <p:cNvPr id="12" name="直接箭头连接符 11"/>
+            <p:cNvCxnSpPr>
+              <a:stCxn id="5" idx="3"/>
+              <a:endCxn id="6" idx="0"/>
+            </p:cNvCxnSpPr>
+            <p:nvPr/>
+          </p:nvCxnSpPr>
+          <p:spPr>
+            <a:xfrm>
+              <a:off x="11055" y="7425"/>
+              <a:ext cx="1590" cy="1195"/>
+            </a:xfrm>
+            <a:prstGeom prst="straightConnector1">
+              <a:avLst/>
+            </a:prstGeom>
+            <a:ln>
+              <a:headEnd type="arrow"/>
+              <a:tailEnd type="arrow"/>
+            </a:ln>
+          </p:spPr>
+          <p:style>
+            <a:lnRef idx="1">
+              <a:schemeClr val="accent1"/>
+            </a:lnRef>
+            <a:fillRef idx="0">
+              <a:schemeClr val="accent1"/>
+            </a:fillRef>
+            <a:effectRef idx="0">
+              <a:schemeClr val="accent1"/>
+            </a:effectRef>
+            <a:fontRef idx="minor">
+              <a:schemeClr val="tx1"/>
+            </a:fontRef>
+          </p:style>
+        </p:cxnSp>
+      </p:grpSp>
+      <p:sp>
+        <p:nvSpPr>
+          <p:cNvPr id="14" name="文本框 13"/>
+          <p:cNvSpPr txBox="1"/>
+          <p:nvPr/>
+        </p:nvSpPr>
+        <p:spPr>
+          <a:xfrm>
+            <a:off x="3824605" y="4241165"/>
+            <a:ext cx="749300" cy="368300"/>
+          </a:xfrm>
+          <a:prstGeom prst="rect">
+            <a:avLst/>
+          </a:prstGeom>
+          <a:noFill/>
+        </p:spPr>
+        <p:txBody>
+          <a:bodyPr wrap="square" rtlCol="0">
+            <a:spAutoFit/>
+          </a:bodyPr>
+          <a:p>
+            <a:r>
+              <a:rPr lang="en-US" altLang="zh-CN"/>
+              <a:t>API</a:t>
+            </a:r>
+            <a:endParaRPr lang="en-US" altLang="zh-CN"/>
+          </a:p>
+        </p:txBody>
+      </p:sp>
+      <p:sp>
+        <p:nvSpPr>
+          <p:cNvPr id="15" name="文本框 14"/>
+          <p:cNvSpPr txBox="1"/>
+          <p:nvPr/>
+        </p:nvSpPr>
+        <p:spPr>
+          <a:xfrm>
+            <a:off x="4573905" y="6226810"/>
+            <a:ext cx="979170" cy="368300"/>
+          </a:xfrm>
+          <a:prstGeom prst="rect">
+            <a:avLst/>
+          </a:prstGeom>
+          <a:noFill/>
+        </p:spPr>
+        <p:txBody>
+          <a:bodyPr wrap="square" rtlCol="0">
+            <a:spAutoFit/>
+          </a:bodyPr>
+          <a:p>
+            <a:r>
+              <a:rPr lang="en-US" altLang="zh-CN"/>
+              <a:t>non API</a:t>
+            </a:r>
+            <a:endParaRPr lang="en-US" altLang="zh-CN"/>
+          </a:p>
+        </p:txBody>
+      </p:sp>
+      <p:sp>
+        <p:nvSpPr>
+          <p:cNvPr id="16" name="矩形 15"/>
+          <p:cNvSpPr/>
+          <p:nvPr/>
+        </p:nvSpPr>
+        <p:spPr>
+          <a:xfrm>
+            <a:off x="1022985" y="4714875"/>
+            <a:ext cx="1440815" cy="748665"/>
+          </a:xfrm>
+          <a:prstGeom prst="rect">
+            <a:avLst/>
+          </a:prstGeom>
+        </p:spPr>
+        <p:style>
+          <a:lnRef idx="2">
+            <a:schemeClr val="accent6"/>
+          </a:lnRef>
+          <a:fillRef idx="1">
+            <a:schemeClr val="lt1"/>
+          </a:fillRef>
+          <a:effectRef idx="0">
+            <a:schemeClr val="accent6"/>
+          </a:effectRef>
+          <a:fontRef idx="minor">
+            <a:schemeClr val="dk1"/>
+          </a:fontRef>
+        </p:style>
+        <p:txBody>
+          <a:bodyPr rtlCol="0" anchor="ctr"/>
+          <a:p>
+            <a:pPr algn="ctr"/>
+            <a:r>
+              <a:rPr lang="en-US" altLang="zh-CN"/>
+              <a:t>enternal application</a:t>
+            </a:r>
+            <a:endParaRPr lang="en-US" altLang="zh-CN"/>
+          </a:p>
+        </p:txBody>
+      </p:sp>
+      <p:cxnSp>
+        <p:nvCxnSpPr>
+          <p:cNvPr id="17" name="直接箭头连接符 16"/>
+          <p:cNvCxnSpPr>
+            <a:stCxn id="16" idx="3"/>
+            <a:endCxn id="8" idx="2"/>
+          </p:cNvCxnSpPr>
+          <p:nvPr/>
+        </p:nvCxnSpPr>
+        <p:spPr>
+          <a:xfrm flipV="1">
+            <a:off x="2463800" y="4926330"/>
+            <a:ext cx="1014730" cy="163195"/>
+          </a:xfrm>
+          <a:prstGeom prst="straightConnector1">
+            <a:avLst/>
+          </a:prstGeom>
+          <a:ln>
+            <a:headEnd type="arrow"/>
+            <a:tailEnd type="arrow"/>
+          </a:ln>
+        </p:spPr>
+        <p:style>
+          <a:lnRef idx="1">
+            <a:schemeClr val="accent1"/>
+          </a:lnRef>
+          <a:fillRef idx="0">
+            <a:schemeClr val="accent1"/>
+          </a:fillRef>
+          <a:effectRef idx="0">
+            <a:schemeClr val="accent1"/>
+          </a:effectRef>
+          <a:fontRef idx="minor">
+            <a:schemeClr val="tx1"/>
+          </a:fontRef>
+        </p:style>
+      </p:cxnSp>
     </p:spTree>
   </p:cSld>
   <p:clrMapOvr>
@@ -8060,236 +8448,7 @@
 </p:sld>
 </file>
 
-<file path=ppt/slides/slide14.xml><?xml version="1.0" encoding="utf-8"?>
-<p:sld xmlns:a="http://schemas.openxmlformats.org/drawingml/2006/main" xmlns:r="http://schemas.openxmlformats.org/officeDocument/2006/relationships" xmlns:p="http://schemas.openxmlformats.org/presentationml/2006/main">
-  <p:cSld>
-    <p:spTree>
-      <p:nvGrpSpPr>
-        <p:cNvPr id="1" name=""/>
-        <p:cNvGrpSpPr/>
-        <p:nvPr/>
-      </p:nvGrpSpPr>
-      <p:grpSpPr>
-        <a:xfrm>
-          <a:off x="0" y="0"/>
-          <a:ext cx="0" cy="0"/>
-          <a:chOff x="0" y="0"/>
-          <a:chExt cx="0" cy="0"/>
-        </a:xfrm>
-      </p:grpSpPr>
-      <p:sp>
-        <p:nvSpPr>
-          <p:cNvPr id="2" name="Title 1"/>
-          <p:cNvSpPr>
-            <a:spLocks noGrp="1"/>
-          </p:cNvSpPr>
-          <p:nvPr>
-            <p:ph type="title"/>
-          </p:nvPr>
-        </p:nvSpPr>
-        <p:spPr>
-          <a:xfrm>
-            <a:off x="628650" y="155263"/>
-            <a:ext cx="7886700" cy="526790"/>
-          </a:xfrm>
-        </p:spPr>
-        <p:txBody>
-          <a:bodyPr>
-            <a:normAutofit fontScale="90000"/>
-          </a:bodyPr>
-          <a:lstStyle/>
-          <a:p>
-            <a:pPr algn="ctr"/>
-            <a:r>
-              <a:rPr lang="en-US" altLang="zh-CN" sz="3200" b="1" dirty="0">
-                <a:latin typeface="Calibri" panose="020F0502020204030204" pitchFamily="34" charset="0"/>
-                <a:cs typeface="Calibri" panose="020F0502020204030204" pitchFamily="34" charset="0"/>
-              </a:rPr>
-              <a:t>File Upload</a:t>
-            </a:r>
-            <a:endParaRPr lang="en-US" altLang="zh-CN" sz="3200" b="1" dirty="0">
-              <a:latin typeface="Calibri" panose="020F0502020204030204" pitchFamily="34" charset="0"/>
-              <a:cs typeface="Calibri" panose="020F0502020204030204" pitchFamily="34" charset="0"/>
-            </a:endParaRPr>
-          </a:p>
-        </p:txBody>
-      </p:sp>
-      <p:sp>
-        <p:nvSpPr>
-          <p:cNvPr id="3" name="Content Placeholder 2"/>
-          <p:cNvSpPr>
-            <a:spLocks noGrp="1"/>
-          </p:cNvSpPr>
-          <p:nvPr>
-            <p:ph idx="1"/>
-          </p:nvPr>
-        </p:nvSpPr>
-        <p:spPr>
-          <a:xfrm>
-            <a:off x="628650" y="989044"/>
-            <a:ext cx="7886700" cy="5605719"/>
-          </a:xfrm>
-        </p:spPr>
-        <p:txBody>
-          <a:bodyPr>
-            <a:normAutofit/>
-          </a:bodyPr>
-          <a:lstStyle/>
-          <a:p>
-            <a:pPr defTabSz="342900">
-              <a:lnSpc>
-                <a:spcPct val="120000"/>
-              </a:lnSpc>
-            </a:pPr>
-            <a:r>
-              <a:rPr lang="en-US" altLang="en-US" sz="1780" dirty="0">
-                <a:solidFill>
-                  <a:srgbClr val="262626"/>
-                </a:solidFill>
-              </a:rPr>
-              <a:t>localhost (</a:t>
-            </a:r>
-            <a:r>
-              <a:rPr lang="en-US" altLang="en-US" sz="1780" dirty="0">
-                <a:solidFill>
-                  <a:srgbClr val="FF0000"/>
-                </a:solidFill>
-              </a:rPr>
-              <a:t>code demo</a:t>
-            </a:r>
-            <a:r>
-              <a:rPr lang="en-US" altLang="en-US" sz="1780" dirty="0">
-                <a:solidFill>
-                  <a:srgbClr val="262626"/>
-                </a:solidFill>
-              </a:rPr>
-              <a:t>)</a:t>
-            </a:r>
-            <a:endParaRPr lang="en-US" altLang="en-US" sz="1780" dirty="0">
-              <a:solidFill>
-                <a:srgbClr val="262626"/>
-              </a:solidFill>
-            </a:endParaRPr>
-          </a:p>
-          <a:p>
-            <a:pPr defTabSz="342900">
-              <a:lnSpc>
-                <a:spcPct val="120000"/>
-              </a:lnSpc>
-            </a:pPr>
-            <a:r>
-              <a:rPr lang="en-US" altLang="en-US" sz="1780" dirty="0">
-                <a:solidFill>
-                  <a:srgbClr val="262626"/>
-                </a:solidFill>
-              </a:rPr>
-              <a:t>https://www.geeksforgeeks.org/file-uploading-in-node-js/</a:t>
-            </a:r>
-            <a:endParaRPr lang="en-US" altLang="en-US" sz="1780" dirty="0">
-              <a:solidFill>
-                <a:srgbClr val="262626"/>
-              </a:solidFill>
-            </a:endParaRPr>
-          </a:p>
-          <a:p>
-            <a:pPr defTabSz="342900">
-              <a:lnSpc>
-                <a:spcPct val="120000"/>
-              </a:lnSpc>
-            </a:pPr>
-            <a:endParaRPr lang="en-US" altLang="en-US" sz="1780" dirty="0">
-              <a:solidFill>
-                <a:srgbClr val="262626"/>
-              </a:solidFill>
-            </a:endParaRPr>
-          </a:p>
-          <a:p>
-            <a:pPr defTabSz="342900">
-              <a:lnSpc>
-                <a:spcPct val="120000"/>
-              </a:lnSpc>
-            </a:pPr>
-            <a:r>
-              <a:rPr lang="en-US" altLang="en-US" sz="1780" dirty="0">
-                <a:solidFill>
-                  <a:srgbClr val="262626"/>
-                </a:solidFill>
-              </a:rPr>
-              <a:t>ipfs (</a:t>
-            </a:r>
-            <a:r>
-              <a:rPr lang="en-US" altLang="en-US" sz="1780" dirty="0">
-                <a:solidFill>
-                  <a:srgbClr val="FF0000"/>
-                </a:solidFill>
-              </a:rPr>
-              <a:t>code demo</a:t>
-            </a:r>
-            <a:r>
-              <a:rPr lang="en-US" altLang="en-US" sz="1780" dirty="0">
-                <a:solidFill>
-                  <a:srgbClr val="262626"/>
-                </a:solidFill>
-              </a:rPr>
-              <a:t>)</a:t>
-            </a:r>
-            <a:endParaRPr lang="en-US" altLang="en-US" sz="1780" dirty="0">
-              <a:solidFill>
-                <a:srgbClr val="262626"/>
-              </a:solidFill>
-            </a:endParaRPr>
-          </a:p>
-          <a:p>
-            <a:pPr defTabSz="342900">
-              <a:lnSpc>
-                <a:spcPct val="120000"/>
-              </a:lnSpc>
-            </a:pPr>
-            <a:r>
-              <a:rPr lang="en-US" altLang="en-US" sz="1780" dirty="0">
-                <a:solidFill>
-                  <a:srgbClr val="262626"/>
-                </a:solidFill>
-              </a:rPr>
-              <a:t>https://docs.ipfs.io/install/ipfs-desktop/#windows</a:t>
-            </a:r>
-            <a:endParaRPr lang="en-US" altLang="en-US" sz="1780" dirty="0">
-              <a:solidFill>
-                <a:srgbClr val="262626"/>
-              </a:solidFill>
-            </a:endParaRPr>
-          </a:p>
-          <a:p>
-            <a:pPr defTabSz="342900">
-              <a:lnSpc>
-                <a:spcPct val="120000"/>
-              </a:lnSpc>
-            </a:pPr>
-            <a:r>
-              <a:rPr lang="en-US" altLang="en-US" sz="1780" dirty="0">
-                <a:solidFill>
-                  <a:srgbClr val="262626"/>
-                </a:solidFill>
-              </a:rPr>
-              <a:t>https://medium.com/better-programming/how-to-get-started-with-ipfs-and-node-fa04baec6b3a</a:t>
-            </a:r>
-            <a:endParaRPr lang="en-US" altLang="en-US" sz="1780" dirty="0">
-              <a:solidFill>
-                <a:srgbClr val="262626"/>
-              </a:solidFill>
-            </a:endParaRPr>
-          </a:p>
-        </p:txBody>
-      </p:sp>
-    </p:spTree>
-  </p:cSld>
-  <p:clrMapOvr>
-    <a:masterClrMapping/>
-  </p:clrMapOvr>
-</p:sld>
-</file>
-
-<file path=ppt/slides/slide15.xml><?xml version="1.0" encoding="utf-8"?>
+<file path=ppt/slides/slide13.xml><?xml version="1.0" encoding="utf-8"?>
 <p:sld xmlns:a="http://schemas.openxmlformats.org/drawingml/2006/main" xmlns:r="http://schemas.openxmlformats.org/officeDocument/2006/relationships" xmlns:p="http://schemas.openxmlformats.org/presentationml/2006/main">
   <p:cSld>
     <p:spTree>
@@ -8454,7 +8613,7 @@
 </p:sld>
 </file>
 
-<file path=ppt/slides/slide16.xml><?xml version="1.0" encoding="utf-8"?>
+<file path=ppt/slides/slide14.xml><?xml version="1.0" encoding="utf-8"?>
 <p:sld xmlns:a="http://schemas.openxmlformats.org/drawingml/2006/main" xmlns:r="http://schemas.openxmlformats.org/officeDocument/2006/relationships" xmlns:p="http://schemas.openxmlformats.org/presentationml/2006/main">
   <p:cSld>
     <p:spTree>
@@ -8620,6 +8779,446 @@
 </p:sld>
 </file>
 
+<file path=ppt/slides/slide15.xml><?xml version="1.0" encoding="utf-8"?>
+<p:sld xmlns:a="http://schemas.openxmlformats.org/drawingml/2006/main" xmlns:r="http://schemas.openxmlformats.org/officeDocument/2006/relationships" xmlns:p="http://schemas.openxmlformats.org/presentationml/2006/main">
+  <p:cSld>
+    <p:spTree>
+      <p:nvGrpSpPr>
+        <p:cNvPr id="1" name=""/>
+        <p:cNvGrpSpPr/>
+        <p:nvPr/>
+      </p:nvGrpSpPr>
+      <p:grpSpPr>
+        <a:xfrm>
+          <a:off x="0" y="0"/>
+          <a:ext cx="0" cy="0"/>
+          <a:chOff x="0" y="0"/>
+          <a:chExt cx="0" cy="0"/>
+        </a:xfrm>
+      </p:grpSpPr>
+      <p:sp>
+        <p:nvSpPr>
+          <p:cNvPr id="2" name="Title 1"/>
+          <p:cNvSpPr>
+            <a:spLocks noGrp="1"/>
+          </p:cNvSpPr>
+          <p:nvPr>
+            <p:ph type="title"/>
+          </p:nvPr>
+        </p:nvSpPr>
+        <p:spPr>
+          <a:xfrm>
+            <a:off x="628650" y="155263"/>
+            <a:ext cx="7886700" cy="526790"/>
+          </a:xfrm>
+        </p:spPr>
+        <p:txBody>
+          <a:bodyPr>
+            <a:normAutofit fontScale="90000"/>
+          </a:bodyPr>
+          <a:lstStyle/>
+          <a:p>
+            <a:pPr algn="ctr"/>
+            <a:r>
+              <a:rPr lang="en-US" sz="3200" b="1" dirty="0">
+                <a:latin typeface="Calibri" panose="020F0502020204030204" pitchFamily="34" charset="0"/>
+                <a:cs typeface="Calibri" panose="020F0502020204030204" pitchFamily="34" charset="0"/>
+                <a:sym typeface="+mn-ea"/>
+              </a:rPr>
+              <a:t>JsonWebToken(JWT)</a:t>
+            </a:r>
+            <a:endParaRPr lang="en-US" altLang="zh-CN" sz="3200" b="1" dirty="0">
+              <a:latin typeface="Calibri" panose="020F0502020204030204" pitchFamily="34" charset="0"/>
+              <a:cs typeface="Calibri" panose="020F0502020204030204" pitchFamily="34" charset="0"/>
+            </a:endParaRPr>
+          </a:p>
+        </p:txBody>
+      </p:sp>
+      <p:sp>
+        <p:nvSpPr>
+          <p:cNvPr id="3" name="Content Placeholder 2"/>
+          <p:cNvSpPr>
+            <a:spLocks noGrp="1"/>
+          </p:cNvSpPr>
+          <p:nvPr>
+            <p:ph idx="1"/>
+          </p:nvPr>
+        </p:nvSpPr>
+        <p:spPr>
+          <a:xfrm>
+            <a:off x="628650" y="989044"/>
+            <a:ext cx="7886700" cy="5605719"/>
+          </a:xfrm>
+        </p:spPr>
+        <p:txBody>
+          <a:bodyPr>
+            <a:normAutofit lnSpcReduction="20000"/>
+          </a:bodyPr>
+          <a:lstStyle/>
+          <a:p>
+            <a:pPr defTabSz="342900">
+              <a:lnSpc>
+                <a:spcPct val="120000"/>
+              </a:lnSpc>
+            </a:pPr>
+            <a:r>
+              <a:rPr lang="en-US" altLang="en-US" sz="1780" dirty="0">
+                <a:solidFill>
+                  <a:srgbClr val="262626"/>
+                </a:solidFill>
+              </a:rPr>
+              <a:t>get the token from api  </a:t>
+            </a:r>
+            <a:endParaRPr lang="en-US" altLang="en-US" sz="1780" dirty="0">
+              <a:solidFill>
+                <a:srgbClr val="262626"/>
+              </a:solidFill>
+            </a:endParaRPr>
+          </a:p>
+          <a:p>
+            <a:pPr defTabSz="342900">
+              <a:lnSpc>
+                <a:spcPct val="120000"/>
+              </a:lnSpc>
+            </a:pPr>
+            <a:r>
+              <a:rPr lang="en-US" altLang="en-US" sz="1780" dirty="0">
+                <a:solidFill>
+                  <a:srgbClr val="262626"/>
+                </a:solidFill>
+              </a:rPr>
+              <a:t>1. store it in cookie (demo this method)</a:t>
+            </a:r>
+            <a:endParaRPr lang="en-US" altLang="en-US" sz="1780" dirty="0">
+              <a:solidFill>
+                <a:srgbClr val="262626"/>
+              </a:solidFill>
+            </a:endParaRPr>
+          </a:p>
+          <a:p>
+            <a:pPr defTabSz="342900">
+              <a:lnSpc>
+                <a:spcPct val="120000"/>
+              </a:lnSpc>
+            </a:pPr>
+            <a:r>
+              <a:rPr lang="en-US" altLang="en-US" sz="1780" dirty="0">
+                <a:solidFill>
+                  <a:srgbClr val="262626"/>
+                </a:solidFill>
+              </a:rPr>
+              <a:t>2. store it in localstore</a:t>
+            </a:r>
+            <a:endParaRPr lang="en-US" altLang="en-US" sz="1780" dirty="0">
+              <a:solidFill>
+                <a:srgbClr val="262626"/>
+              </a:solidFill>
+            </a:endParaRPr>
+          </a:p>
+          <a:p>
+            <a:pPr defTabSz="342900">
+              <a:lnSpc>
+                <a:spcPct val="120000"/>
+              </a:lnSpc>
+            </a:pPr>
+            <a:endParaRPr lang="en-US" altLang="en-US" sz="1780" dirty="0">
+              <a:solidFill>
+                <a:srgbClr val="262626"/>
+              </a:solidFill>
+            </a:endParaRPr>
+          </a:p>
+          <a:p>
+            <a:pPr defTabSz="342900">
+              <a:lnSpc>
+                <a:spcPct val="120000"/>
+              </a:lnSpc>
+            </a:pPr>
+            <a:r>
+              <a:rPr lang="en-US" altLang="en-US" sz="1780" dirty="0">
+                <a:solidFill>
+                  <a:srgbClr val="262626"/>
+                </a:solidFill>
+              </a:rPr>
+              <a:t>Difference</a:t>
+            </a:r>
+            <a:endParaRPr lang="en-US" altLang="en-US" sz="1780" dirty="0">
+              <a:solidFill>
+                <a:srgbClr val="262626"/>
+              </a:solidFill>
+            </a:endParaRPr>
+          </a:p>
+          <a:p>
+            <a:pPr defTabSz="342900">
+              <a:lnSpc>
+                <a:spcPct val="120000"/>
+              </a:lnSpc>
+            </a:pPr>
+            <a:r>
+              <a:rPr lang="en-US" altLang="en-US" sz="1780" dirty="0">
+                <a:solidFill>
+                  <a:srgbClr val="262626"/>
+                </a:solidFill>
+              </a:rPr>
+              <a:t>Local Storage</a:t>
+            </a:r>
+            <a:endParaRPr lang="en-US" altLang="en-US" sz="1780" dirty="0">
+              <a:solidFill>
+                <a:srgbClr val="262626"/>
+              </a:solidFill>
+            </a:endParaRPr>
+          </a:p>
+          <a:p>
+            <a:pPr defTabSz="342900">
+              <a:lnSpc>
+                <a:spcPct val="120000"/>
+              </a:lnSpc>
+            </a:pPr>
+            <a:r>
+              <a:rPr lang="en-US" altLang="en-US" sz="1780" dirty="0">
+                <a:solidFill>
+                  <a:srgbClr val="262626"/>
+                </a:solidFill>
+              </a:rPr>
+              <a:t>Pros: It's convenient.</a:t>
+            </a:r>
+            <a:endParaRPr lang="en-US" altLang="en-US" sz="1780" dirty="0">
+              <a:solidFill>
+                <a:srgbClr val="262626"/>
+              </a:solidFill>
+            </a:endParaRPr>
+          </a:p>
+          <a:p>
+            <a:pPr defTabSz="342900">
+              <a:lnSpc>
+                <a:spcPct val="120000"/>
+              </a:lnSpc>
+            </a:pPr>
+            <a:r>
+              <a:rPr lang="en-US" altLang="en-US" sz="1780" dirty="0">
+                <a:solidFill>
+                  <a:srgbClr val="262626"/>
+                </a:solidFill>
+              </a:rPr>
+              <a:t>Cons: It's vulnerable to XSS attacks.</a:t>
+            </a:r>
+            <a:endParaRPr lang="en-US" altLang="en-US" sz="1780" dirty="0">
+              <a:solidFill>
+                <a:srgbClr val="262626"/>
+              </a:solidFill>
+            </a:endParaRPr>
+          </a:p>
+          <a:p>
+            <a:pPr defTabSz="342900">
+              <a:lnSpc>
+                <a:spcPct val="120000"/>
+              </a:lnSpc>
+            </a:pPr>
+            <a:endParaRPr lang="en-US" altLang="en-US" sz="1780" dirty="0">
+              <a:solidFill>
+                <a:srgbClr val="262626"/>
+              </a:solidFill>
+            </a:endParaRPr>
+          </a:p>
+          <a:p>
+            <a:pPr defTabSz="342900">
+              <a:lnSpc>
+                <a:spcPct val="120000"/>
+              </a:lnSpc>
+            </a:pPr>
+            <a:r>
+              <a:rPr lang="en-US" altLang="en-US" sz="1780" dirty="0">
+                <a:solidFill>
+                  <a:srgbClr val="262626"/>
+                </a:solidFill>
+              </a:rPr>
+              <a:t>Cookies</a:t>
+            </a:r>
+            <a:endParaRPr lang="en-US" altLang="en-US" sz="1780" dirty="0">
+              <a:solidFill>
+                <a:srgbClr val="262626"/>
+              </a:solidFill>
+            </a:endParaRPr>
+          </a:p>
+          <a:p>
+            <a:pPr defTabSz="342900">
+              <a:lnSpc>
+                <a:spcPct val="120000"/>
+              </a:lnSpc>
+            </a:pPr>
+            <a:r>
+              <a:rPr lang="en-US" altLang="en-US" sz="1780" dirty="0">
+                <a:solidFill>
+                  <a:srgbClr val="262626"/>
+                </a:solidFill>
+              </a:rPr>
+              <a:t>Pros: The cookie is not accessible via JavaScript; hence, it is not as vulnerable to XSS attacks as localStorage.</a:t>
+            </a:r>
+            <a:endParaRPr lang="en-US" altLang="en-US" sz="1780" dirty="0">
+              <a:solidFill>
+                <a:srgbClr val="262626"/>
+              </a:solidFill>
+            </a:endParaRPr>
+          </a:p>
+          <a:p>
+            <a:pPr defTabSz="342900">
+              <a:lnSpc>
+                <a:spcPct val="120000"/>
+              </a:lnSpc>
+            </a:pPr>
+            <a:r>
+              <a:rPr lang="en-US" altLang="en-US" sz="1780" dirty="0">
+                <a:solidFill>
+                  <a:srgbClr val="262626"/>
+                </a:solidFill>
+              </a:rPr>
+              <a:t>Cons: Depending on the use case, you might not be able to store your tokens in the cookies. For Instance: Cookies have a size limit of 4KB.</a:t>
+            </a:r>
+            <a:endParaRPr lang="en-US" altLang="en-US" sz="1780" dirty="0">
+              <a:solidFill>
+                <a:srgbClr val="262626"/>
+              </a:solidFill>
+            </a:endParaRPr>
+          </a:p>
+        </p:txBody>
+      </p:sp>
+    </p:spTree>
+  </p:cSld>
+  <p:clrMapOvr>
+    <a:masterClrMapping/>
+  </p:clrMapOvr>
+</p:sld>
+</file>
+
+<file path=ppt/slides/slide16.xml><?xml version="1.0" encoding="utf-8"?>
+<p:sld xmlns:a="http://schemas.openxmlformats.org/drawingml/2006/main" xmlns:r="http://schemas.openxmlformats.org/officeDocument/2006/relationships" xmlns:p="http://schemas.openxmlformats.org/presentationml/2006/main">
+  <p:cSld>
+    <p:spTree>
+      <p:nvGrpSpPr>
+        <p:cNvPr id="1" name=""/>
+        <p:cNvGrpSpPr/>
+        <p:nvPr/>
+      </p:nvGrpSpPr>
+      <p:grpSpPr>
+        <a:xfrm>
+          <a:off x="0" y="0"/>
+          <a:ext cx="0" cy="0"/>
+          <a:chOff x="0" y="0"/>
+          <a:chExt cx="0" cy="0"/>
+        </a:xfrm>
+      </p:grpSpPr>
+      <p:sp>
+        <p:nvSpPr>
+          <p:cNvPr id="2" name="Title 1"/>
+          <p:cNvSpPr>
+            <a:spLocks noGrp="1"/>
+          </p:cNvSpPr>
+          <p:nvPr>
+            <p:ph type="title"/>
+          </p:nvPr>
+        </p:nvSpPr>
+        <p:spPr>
+          <a:xfrm>
+            <a:off x="628650" y="155263"/>
+            <a:ext cx="7886700" cy="526790"/>
+          </a:xfrm>
+        </p:spPr>
+        <p:txBody>
+          <a:bodyPr>
+            <a:normAutofit fontScale="90000"/>
+          </a:bodyPr>
+          <a:lstStyle/>
+          <a:p>
+            <a:pPr algn="ctr"/>
+            <a:r>
+              <a:rPr lang="en-US" sz="3200" b="1" dirty="0">
+                <a:latin typeface="Calibri" panose="020F0502020204030204" pitchFamily="34" charset="0"/>
+                <a:cs typeface="Calibri" panose="020F0502020204030204" pitchFamily="34" charset="0"/>
+                <a:sym typeface="+mn-ea"/>
+              </a:rPr>
+              <a:t>JsonWebToken(JWT)</a:t>
+            </a:r>
+            <a:endParaRPr lang="en-US" altLang="zh-CN" sz="3200" b="1" dirty="0">
+              <a:latin typeface="Calibri" panose="020F0502020204030204" pitchFamily="34" charset="0"/>
+              <a:cs typeface="Calibri" panose="020F0502020204030204" pitchFamily="34" charset="0"/>
+            </a:endParaRPr>
+          </a:p>
+        </p:txBody>
+      </p:sp>
+      <p:sp>
+        <p:nvSpPr>
+          <p:cNvPr id="3" name="Content Placeholder 2"/>
+          <p:cNvSpPr>
+            <a:spLocks noGrp="1"/>
+          </p:cNvSpPr>
+          <p:nvPr>
+            <p:ph idx="1"/>
+          </p:nvPr>
+        </p:nvSpPr>
+        <p:spPr>
+          <a:xfrm>
+            <a:off x="628650" y="989044"/>
+            <a:ext cx="7886700" cy="5605719"/>
+          </a:xfrm>
+        </p:spPr>
+        <p:txBody>
+          <a:bodyPr>
+            <a:normAutofit lnSpcReduction="20000"/>
+          </a:bodyPr>
+          <a:lstStyle/>
+          <a:p>
+            <a:pPr defTabSz="342900">
+              <a:lnSpc>
+                <a:spcPct val="120000"/>
+              </a:lnSpc>
+            </a:pPr>
+            <a:r>
+              <a:rPr lang="en-US" altLang="en-US" sz="1780" dirty="0">
+                <a:solidFill>
+                  <a:srgbClr val="262626"/>
+                </a:solidFill>
+              </a:rPr>
+              <a:t>XXS attack</a:t>
+            </a:r>
+            <a:endParaRPr lang="en-US" altLang="en-US" sz="1780" dirty="0">
+              <a:solidFill>
+                <a:srgbClr val="262626"/>
+              </a:solidFill>
+            </a:endParaRPr>
+          </a:p>
+        </p:txBody>
+      </p:sp>
+      <p:pic>
+        <p:nvPicPr>
+          <p:cNvPr id="4" name="图片 3"/>
+          <p:cNvPicPr>
+            <a:picLocks noChangeAspect="1"/>
+          </p:cNvPicPr>
+          <p:nvPr/>
+        </p:nvPicPr>
+        <p:blipFill>
+          <a:blip r:embed="rId1"/>
+          <a:stretch>
+            <a:fillRect/>
+          </a:stretch>
+        </p:blipFill>
+        <p:spPr>
+          <a:xfrm>
+            <a:off x="0" y="1828800"/>
+            <a:ext cx="9144000" cy="4213225"/>
+          </a:xfrm>
+          <a:prstGeom prst="rect">
+            <a:avLst/>
+          </a:prstGeom>
+        </p:spPr>
+      </p:pic>
+    </p:spTree>
+  </p:cSld>
+  <p:clrMapOvr>
+    <a:masterClrMapping/>
+  </p:clrMapOvr>
+</p:sld>
+</file>
+
 <file path=ppt/slides/slide17.xml><?xml version="1.0" encoding="utf-8"?>
 <p:sld xmlns:a="http://schemas.openxmlformats.org/drawingml/2006/main" xmlns:r="http://schemas.openxmlformats.org/officeDocument/2006/relationships" xmlns:p="http://schemas.openxmlformats.org/presentationml/2006/main">
   <p:cSld>
@@ -8665,9 +9264,9 @@
                 <a:latin typeface="Calibri" panose="020F0502020204030204" pitchFamily="34" charset="0"/>
                 <a:cs typeface="Calibri" panose="020F0502020204030204" pitchFamily="34" charset="0"/>
               </a:rPr>
-              <a:t>Send Parameters to the View</a:t>
-            </a:r>
-            <a:endParaRPr lang="zh-CN" altLang="en-US" sz="3200" b="1" dirty="0">
+              <a:t>File Upload</a:t>
+            </a:r>
+            <a:endParaRPr lang="en-US" altLang="zh-CN" sz="3200" b="1" dirty="0">
               <a:latin typeface="Calibri" panose="020F0502020204030204" pitchFamily="34" charset="0"/>
               <a:cs typeface="Calibri" panose="020F0502020204030204" pitchFamily="34" charset="0"/>
             </a:endParaRPr>
@@ -8704,14 +9303,30 @@
             <a:r>
               <a:rPr lang="en-US" altLang="en-US" sz="1780" dirty="0">
                 <a:solidFill>
+                  <a:srgbClr val="262626"/>
+                </a:solidFill>
+              </a:rPr>
+              <a:t>localhost (</a:t>
+            </a:r>
+            <a:r>
+              <a:rPr lang="en-US" altLang="en-US" sz="1780" dirty="0">
+                <a:solidFill>
                   <a:srgbClr val="FF0000"/>
                 </a:solidFill>
               </a:rPr>
-              <a:t>Code Demo</a:t>
+              <a:t>code demo</a:t>
+            </a:r>
+            <a:r>
+              <a:rPr lang="en-US" altLang="en-US" sz="1780" dirty="0">
+                <a:solidFill>
+                  <a:srgbClr val="262626"/>
+                </a:solidFill>
+              </a:rPr>
+              <a:t>)</a:t>
             </a:r>
             <a:endParaRPr lang="en-US" altLang="en-US" sz="1780" dirty="0">
               <a:solidFill>
-                <a:srgbClr val="FF0000"/>
+                <a:srgbClr val="262626"/>
               </a:solidFill>
             </a:endParaRPr>
           </a:p>
@@ -8721,269 +9336,13 @@
                 <a:spcPct val="120000"/>
               </a:lnSpc>
             </a:pPr>
-            <a:endParaRPr lang="en-US" altLang="en-US" sz="1780" dirty="0">
-              <a:solidFill>
-                <a:srgbClr val="FF0000"/>
-              </a:solidFill>
-            </a:endParaRPr>
-          </a:p>
-          <a:p>
-            <a:pPr defTabSz="342900">
-              <a:lnSpc>
-                <a:spcPct val="120000"/>
-              </a:lnSpc>
-            </a:pPr>
-            <a:endParaRPr lang="en-US" altLang="en-US" sz="1780" dirty="0">
-              <a:solidFill>
-                <a:srgbClr val="FF0000"/>
-              </a:solidFill>
-            </a:endParaRPr>
-          </a:p>
-          <a:p>
-            <a:pPr defTabSz="342900">
-              <a:lnSpc>
-                <a:spcPct val="120000"/>
-              </a:lnSpc>
-            </a:pPr>
-            <a:endParaRPr lang="en-US" altLang="en-US" sz="1780" dirty="0">
-              <a:solidFill>
-                <a:srgbClr val="FF0000"/>
-              </a:solidFill>
-            </a:endParaRPr>
-          </a:p>
-          <a:p>
-            <a:pPr defTabSz="342900">
-              <a:lnSpc>
-                <a:spcPct val="120000"/>
-              </a:lnSpc>
-            </a:pPr>
-            <a:endParaRPr lang="en-US" altLang="en-US" sz="1780" dirty="0">
-              <a:solidFill>
-                <a:srgbClr val="FF0000"/>
-              </a:solidFill>
-            </a:endParaRPr>
-          </a:p>
-          <a:p>
-            <a:pPr defTabSz="342900">
-              <a:lnSpc>
-                <a:spcPct val="120000"/>
-              </a:lnSpc>
-            </a:pPr>
-            <a:endParaRPr lang="en-US" altLang="en-US" sz="1775" dirty="0">
-              <a:solidFill>
-                <a:srgbClr val="262626"/>
-              </a:solidFill>
-              <a:sym typeface="+mn-ea"/>
-            </a:endParaRPr>
-          </a:p>
-          <a:p>
-            <a:pPr defTabSz="342900">
-              <a:lnSpc>
-                <a:spcPct val="120000"/>
-              </a:lnSpc>
-            </a:pPr>
-            <a:endParaRPr lang="en-US" altLang="en-US" sz="1775" dirty="0">
-              <a:solidFill>
-                <a:srgbClr val="262626"/>
-              </a:solidFill>
-              <a:sym typeface="+mn-ea"/>
-            </a:endParaRPr>
-          </a:p>
-          <a:p>
-            <a:pPr defTabSz="342900">
-              <a:lnSpc>
-                <a:spcPct val="120000"/>
-              </a:lnSpc>
-            </a:pPr>
-            <a:r>
-              <a:rPr lang="en-US" altLang="en-US" sz="1775" dirty="0">
-                <a:solidFill>
-                  <a:srgbClr val="262626"/>
-                </a:solidFill>
-                <a:sym typeface="+mn-ea"/>
-              </a:rPr>
-              <a:t>Compare a normal program with a api program</a:t>
-            </a:r>
-            <a:endParaRPr lang="en-US" altLang="en-US" sz="1775" dirty="0">
-              <a:solidFill>
-                <a:srgbClr val="262626"/>
-              </a:solidFill>
-            </a:endParaRPr>
-          </a:p>
-          <a:p>
-            <a:pPr defTabSz="342900">
-              <a:lnSpc>
-                <a:spcPct val="120000"/>
-              </a:lnSpc>
-            </a:pPr>
-            <a:endParaRPr lang="en-US" altLang="en-US" sz="1780" dirty="0">
-              <a:solidFill>
-                <a:srgbClr val="FF0000"/>
-              </a:solidFill>
-            </a:endParaRPr>
-          </a:p>
-        </p:txBody>
-      </p:sp>
-      <p:pic>
-        <p:nvPicPr>
-          <p:cNvPr id="4" name="图片 3"/>
-          <p:cNvPicPr>
-            <a:picLocks noChangeAspect="1"/>
-          </p:cNvPicPr>
-          <p:nvPr/>
-        </p:nvPicPr>
-        <p:blipFill>
-          <a:blip r:embed="rId1"/>
-          <a:stretch>
-            <a:fillRect/>
-          </a:stretch>
-        </p:blipFill>
-        <p:spPr>
-          <a:xfrm>
-            <a:off x="1041400" y="1569720"/>
-            <a:ext cx="4238625" cy="1771650"/>
-          </a:xfrm>
-          <a:prstGeom prst="rect">
-            <a:avLst/>
-          </a:prstGeom>
-        </p:spPr>
-      </p:pic>
-    </p:spTree>
-  </p:cSld>
-  <p:clrMapOvr>
-    <a:masterClrMapping/>
-  </p:clrMapOvr>
-</p:sld>
-</file>
-
-<file path=ppt/slides/slide18.xml><?xml version="1.0" encoding="utf-8"?>
-<p:sld xmlns:a="http://schemas.openxmlformats.org/drawingml/2006/main" xmlns:r="http://schemas.openxmlformats.org/officeDocument/2006/relationships" xmlns:p="http://schemas.openxmlformats.org/presentationml/2006/main">
-  <p:cSld>
-    <p:spTree>
-      <p:nvGrpSpPr>
-        <p:cNvPr id="1" name=""/>
-        <p:cNvGrpSpPr/>
-        <p:nvPr/>
-      </p:nvGrpSpPr>
-      <p:grpSpPr>
-        <a:xfrm>
-          <a:off x="0" y="0"/>
-          <a:ext cx="0" cy="0"/>
-          <a:chOff x="0" y="0"/>
-          <a:chExt cx="0" cy="0"/>
-        </a:xfrm>
-      </p:grpSpPr>
-      <p:sp>
-        <p:nvSpPr>
-          <p:cNvPr id="2" name="Title 1"/>
-          <p:cNvSpPr>
-            <a:spLocks noGrp="1"/>
-          </p:cNvSpPr>
-          <p:nvPr>
-            <p:ph type="title"/>
-          </p:nvPr>
-        </p:nvSpPr>
-        <p:spPr>
-          <a:xfrm>
-            <a:off x="628650" y="155263"/>
-            <a:ext cx="7886700" cy="526790"/>
-          </a:xfrm>
-        </p:spPr>
-        <p:txBody>
-          <a:bodyPr>
-            <a:normAutofit fontScale="90000"/>
-          </a:bodyPr>
-          <a:lstStyle/>
-          <a:p>
-            <a:pPr algn="ctr"/>
-            <a:r>
-              <a:rPr lang="en-US" altLang="zh-CN" sz="3200" b="1" dirty="0">
-                <a:latin typeface="Calibri" panose="020F0502020204030204" pitchFamily="34" charset="0"/>
-                <a:cs typeface="Calibri" panose="020F0502020204030204" pitchFamily="34" charset="0"/>
-              </a:rPr>
-              <a:t>Form</a:t>
-            </a:r>
-            <a:endParaRPr lang="en-US" altLang="zh-CN" sz="3200" b="1" dirty="0">
-              <a:latin typeface="Calibri" panose="020F0502020204030204" pitchFamily="34" charset="0"/>
-              <a:cs typeface="Calibri" panose="020F0502020204030204" pitchFamily="34" charset="0"/>
-            </a:endParaRPr>
-          </a:p>
-        </p:txBody>
-      </p:sp>
-      <p:sp>
-        <p:nvSpPr>
-          <p:cNvPr id="3" name="Content Placeholder 2"/>
-          <p:cNvSpPr>
-            <a:spLocks noGrp="1"/>
-          </p:cNvSpPr>
-          <p:nvPr>
-            <p:ph idx="1"/>
-          </p:nvPr>
-        </p:nvSpPr>
-        <p:spPr>
-          <a:xfrm>
-            <a:off x="628650" y="989044"/>
-            <a:ext cx="7886700" cy="5605719"/>
-          </a:xfrm>
-        </p:spPr>
-        <p:txBody>
-          <a:bodyPr>
-            <a:normAutofit/>
-          </a:bodyPr>
-          <a:lstStyle/>
-          <a:p>
-            <a:pPr defTabSz="342900">
-              <a:lnSpc>
-                <a:spcPct val="120000"/>
-              </a:lnSpc>
-            </a:pPr>
             <a:r>
               <a:rPr lang="en-US" altLang="en-US" sz="1780" dirty="0">
                 <a:solidFill>
                   <a:srgbClr val="262626"/>
                 </a:solidFill>
               </a:rPr>
-              <a:t>1 specify Router</a:t>
-            </a:r>
-            <a:endParaRPr lang="en-US" altLang="en-US" sz="1780" dirty="0">
-              <a:solidFill>
-                <a:srgbClr val="262626"/>
-              </a:solidFill>
-            </a:endParaRPr>
-          </a:p>
-          <a:p>
-            <a:pPr defTabSz="342900">
-              <a:lnSpc>
-                <a:spcPct val="120000"/>
-              </a:lnSpc>
-            </a:pPr>
-            <a:r>
-              <a:rPr lang="en-US" altLang="en-US" sz="1780" dirty="0">
-                <a:solidFill>
-                  <a:srgbClr val="262626"/>
-                </a:solidFill>
-              </a:rPr>
-              <a:t>2 specify the request type, usually POST for Forms</a:t>
-            </a:r>
-            <a:endParaRPr lang="en-US" altLang="en-US" sz="1780" dirty="0">
-              <a:solidFill>
-                <a:srgbClr val="262626"/>
-              </a:solidFill>
-            </a:endParaRPr>
-          </a:p>
-          <a:p>
-            <a:pPr defTabSz="342900">
-              <a:lnSpc>
-                <a:spcPct val="120000"/>
-              </a:lnSpc>
-            </a:pPr>
-            <a:r>
-              <a:rPr lang="en-US" altLang="en-US" sz="1780" dirty="0">
-                <a:solidFill>
-                  <a:srgbClr val="262626"/>
-                </a:solidFill>
-              </a:rPr>
-              <a:t>Form will take inputs value as parameters to send to the server</a:t>
+              <a:t>https://www.geeksforgeeks.org/file-uploading-in-node-js/</a:t>
             </a:r>
             <a:endParaRPr lang="en-US" altLang="en-US" sz="1780" dirty="0">
               <a:solidFill>
@@ -9009,6 +9368,30 @@
                 <a:spcPct val="120000"/>
               </a:lnSpc>
             </a:pPr>
+            <a:r>
+              <a:rPr lang="en-US" altLang="en-US" sz="1780" dirty="0">
+                <a:solidFill>
+                  <a:srgbClr val="262626"/>
+                </a:solidFill>
+              </a:rPr>
+              <a:t>ipfs (</a:t>
+            </a:r>
+            <a:r>
+              <a:rPr lang="en-US" altLang="en-US" sz="1780" dirty="0">
+                <a:solidFill>
+                  <a:srgbClr val="FF0000"/>
+                </a:solidFill>
+              </a:rPr>
+              <a:t>code demo</a:t>
+            </a:r>
+            <a:r>
+              <a:rPr lang="en-US" altLang="en-US" sz="1780" dirty="0">
+                <a:solidFill>
+                  <a:srgbClr val="262626"/>
+                </a:solidFill>
+              </a:rPr>
+              <a:t>)</a:t>
+            </a:r>
             <a:endParaRPr lang="en-US" altLang="en-US" sz="1780" dirty="0">
               <a:solidFill>
                 <a:srgbClr val="262626"/>
@@ -9021,6 +9404,14 @@
                 <a:spcPct val="120000"/>
               </a:lnSpc>
             </a:pPr>
+            <a:r>
+              <a:rPr lang="en-US" altLang="en-US" sz="1780" dirty="0">
+                <a:solidFill>
+                  <a:srgbClr val="262626"/>
+                </a:solidFill>
+              </a:rPr>
+              <a:t>https://docs.ipfs.io/install/ipfs-desktop/#windows</a:t>
+            </a:r>
             <a:endParaRPr lang="en-US" altLang="en-US" sz="1780" dirty="0">
               <a:solidFill>
                 <a:srgbClr val="262626"/>
@@ -9033,178 +9424,13 @@
                 <a:spcPct val="120000"/>
               </a:lnSpc>
             </a:pPr>
-            <a:endParaRPr lang="en-US" altLang="en-US" sz="1780" dirty="0">
-              <a:solidFill>
-                <a:srgbClr val="262626"/>
-              </a:solidFill>
-            </a:endParaRPr>
-          </a:p>
-          <a:p>
-            <a:pPr defTabSz="342900">
-              <a:lnSpc>
-                <a:spcPct val="120000"/>
-              </a:lnSpc>
-            </a:pPr>
             <a:r>
               <a:rPr lang="en-US" altLang="en-US" sz="1780" dirty="0">
                 <a:solidFill>
                   <a:srgbClr val="262626"/>
                 </a:solidFill>
               </a:rPr>
-              <a:t>action should match routes, then the route will call the controller function to handle the request. In this case, put action = /genre/create</a:t>
-            </a:r>
-            <a:endParaRPr lang="en-US" altLang="en-US" sz="1780" dirty="0">
-              <a:solidFill>
-                <a:srgbClr val="262626"/>
-              </a:solidFill>
-            </a:endParaRPr>
-          </a:p>
-        </p:txBody>
-      </p:sp>
-      <p:pic>
-        <p:nvPicPr>
-          <p:cNvPr id="5" name="图片 4"/>
-          <p:cNvPicPr>
-            <a:picLocks noChangeAspect="1"/>
-          </p:cNvPicPr>
-          <p:nvPr/>
-        </p:nvPicPr>
-        <p:blipFill>
-          <a:blip r:embed="rId1"/>
-          <a:stretch>
-            <a:fillRect/>
-          </a:stretch>
-        </p:blipFill>
-        <p:spPr>
-          <a:xfrm>
-            <a:off x="442595" y="2369820"/>
-            <a:ext cx="8258175" cy="1752600"/>
-          </a:xfrm>
-          <a:prstGeom prst="rect">
-            <a:avLst/>
-          </a:prstGeom>
-        </p:spPr>
-      </p:pic>
-      <p:pic>
-        <p:nvPicPr>
-          <p:cNvPr id="6" name="图片 5"/>
-          <p:cNvPicPr>
-            <a:picLocks noChangeAspect="1"/>
-          </p:cNvPicPr>
-          <p:nvPr/>
-        </p:nvPicPr>
-        <p:blipFill>
-          <a:blip r:embed="rId2"/>
-          <a:stretch>
-            <a:fillRect/>
-          </a:stretch>
-        </p:blipFill>
-        <p:spPr>
-          <a:xfrm>
-            <a:off x="257175" y="5055235"/>
-            <a:ext cx="8629650" cy="1285875"/>
-          </a:xfrm>
-          <a:prstGeom prst="rect">
-            <a:avLst/>
-          </a:prstGeom>
-        </p:spPr>
-      </p:pic>
-    </p:spTree>
-  </p:cSld>
-  <p:clrMapOvr>
-    <a:masterClrMapping/>
-  </p:clrMapOvr>
-</p:sld>
-</file>
-
-<file path=ppt/slides/slide19.xml><?xml version="1.0" encoding="utf-8"?>
-<p:sld xmlns:a="http://schemas.openxmlformats.org/drawingml/2006/main" xmlns:r="http://schemas.openxmlformats.org/officeDocument/2006/relationships" xmlns:p="http://schemas.openxmlformats.org/presentationml/2006/main">
-  <p:cSld>
-    <p:spTree>
-      <p:nvGrpSpPr>
-        <p:cNvPr id="1" name=""/>
-        <p:cNvGrpSpPr/>
-        <p:nvPr/>
-      </p:nvGrpSpPr>
-      <p:grpSpPr>
-        <a:xfrm>
-          <a:off x="0" y="0"/>
-          <a:ext cx="0" cy="0"/>
-          <a:chOff x="0" y="0"/>
-          <a:chExt cx="0" cy="0"/>
-        </a:xfrm>
-      </p:grpSpPr>
-      <p:sp>
-        <p:nvSpPr>
-          <p:cNvPr id="2" name="Title 1"/>
-          <p:cNvSpPr>
-            <a:spLocks noGrp="1"/>
-          </p:cNvSpPr>
-          <p:nvPr>
-            <p:ph type="title"/>
-          </p:nvPr>
-        </p:nvSpPr>
-        <p:spPr>
-          <a:xfrm>
-            <a:off x="628650" y="155263"/>
-            <a:ext cx="7886700" cy="526790"/>
-          </a:xfrm>
-        </p:spPr>
-        <p:txBody>
-          <a:bodyPr>
-            <a:normAutofit fontScale="90000"/>
-          </a:bodyPr>
-          <a:lstStyle/>
-          <a:p>
-            <a:pPr algn="ctr"/>
-            <a:r>
-              <a:rPr lang="en-US" altLang="zh-CN" sz="3200" b="1" dirty="0">
-                <a:latin typeface="Calibri" panose="020F0502020204030204" pitchFamily="34" charset="0"/>
-                <a:cs typeface="Calibri" panose="020F0502020204030204" pitchFamily="34" charset="0"/>
-              </a:rPr>
-              <a:t>File Upload</a:t>
-            </a:r>
-            <a:endParaRPr lang="en-US" altLang="zh-CN" sz="3200" b="1" dirty="0">
-              <a:latin typeface="Calibri" panose="020F0502020204030204" pitchFamily="34" charset="0"/>
-              <a:cs typeface="Calibri" panose="020F0502020204030204" pitchFamily="34" charset="0"/>
-            </a:endParaRPr>
-          </a:p>
-        </p:txBody>
-      </p:sp>
-      <p:sp>
-        <p:nvSpPr>
-          <p:cNvPr id="3" name="Content Placeholder 2"/>
-          <p:cNvSpPr>
-            <a:spLocks noGrp="1"/>
-          </p:cNvSpPr>
-          <p:nvPr>
-            <p:ph idx="1"/>
-          </p:nvPr>
-        </p:nvSpPr>
-        <p:spPr>
-          <a:xfrm>
-            <a:off x="628650" y="989044"/>
-            <a:ext cx="7886700" cy="5605719"/>
-          </a:xfrm>
-        </p:spPr>
-        <p:txBody>
-          <a:bodyPr>
-            <a:normAutofit/>
-          </a:bodyPr>
-          <a:lstStyle/>
-          <a:p>
-            <a:pPr defTabSz="342900">
-              <a:lnSpc>
-                <a:spcPct val="120000"/>
-              </a:lnSpc>
-            </a:pPr>
-            <a:r>
-              <a:rPr lang="en-US" altLang="en-US" sz="1780" dirty="0">
-                <a:solidFill>
-                  <a:srgbClr val="262626"/>
-                </a:solidFill>
-              </a:rPr>
-              <a:t>https://www.geeksforgeeks.org/file-uploading-in-node-js/</a:t>
+              <a:t>https://medium.com/better-programming/how-to-get-started-with-ipfs-and-node-fa04baec6b3a</a:t>
             </a:r>
             <a:endParaRPr lang="en-US" altLang="en-US" sz="1780" dirty="0">
               <a:solidFill>
@@ -9311,8 +9537,127 @@
             </a:pPr>
             <a:r>
               <a:rPr lang="en-US" dirty="0"/>
-              <a:t>Node js and Express js</a:t>
-            </a:r>
+              <a:t>node templates</a:t>
+            </a:r>
+            <a:endParaRPr lang="en-US" dirty="0"/>
+          </a:p>
+          <a:p>
+            <a:pPr marL="171450" lvl="0" indent="-171450" fontAlgn="auto">
+              <a:lnSpc>
+                <a:spcPct val="200000"/>
+              </a:lnSpc>
+              <a:spcBef>
+                <a:spcPts val="700"/>
+              </a:spcBef>
+              <a:buFont typeface="Arial" panose="020B0604020202020204" pitchFamily="34" charset="0"/>
+              <a:buChar char="•"/>
+            </a:pPr>
+            <a:r>
+              <a:rPr lang="en-US" dirty="0"/>
+              <a:t>passing parameters to the view</a:t>
+            </a:r>
+            <a:endParaRPr lang="en-US" dirty="0"/>
+          </a:p>
+          <a:p>
+            <a:pPr marL="171450" lvl="0" indent="-171450" fontAlgn="auto">
+              <a:lnSpc>
+                <a:spcPct val="200000"/>
+              </a:lnSpc>
+              <a:spcBef>
+                <a:spcPts val="700"/>
+              </a:spcBef>
+              <a:buFont typeface="Arial" panose="020B0604020202020204" pitchFamily="34" charset="0"/>
+              <a:buChar char="•"/>
+            </a:pPr>
+            <a:r>
+              <a:rPr lang="en-US" dirty="0"/>
+              <a:t>Forms</a:t>
+            </a:r>
+            <a:endParaRPr lang="en-US" dirty="0"/>
+          </a:p>
+          <a:p>
+            <a:pPr marL="171450" lvl="0" indent="-171450" fontAlgn="auto">
+              <a:lnSpc>
+                <a:spcPct val="200000"/>
+              </a:lnSpc>
+              <a:spcBef>
+                <a:spcPts val="700"/>
+              </a:spcBef>
+              <a:buFont typeface="Arial" panose="020B0604020202020204" pitchFamily="34" charset="0"/>
+              <a:buChar char="•"/>
+            </a:pPr>
+            <a:r>
+              <a:rPr lang="en-US" dirty="0"/>
+              <a:t>Middleware</a:t>
+            </a:r>
+            <a:endParaRPr lang="en-US" dirty="0"/>
+          </a:p>
+          <a:p>
+            <a:pPr marL="171450" lvl="0" indent="-171450" fontAlgn="auto">
+              <a:lnSpc>
+                <a:spcPct val="200000"/>
+              </a:lnSpc>
+              <a:spcBef>
+                <a:spcPts val="700"/>
+              </a:spcBef>
+              <a:buFont typeface="Arial" panose="020B0604020202020204" pitchFamily="34" charset="0"/>
+              <a:buChar char="•"/>
+            </a:pPr>
+            <a:r>
+              <a:rPr lang="en-US" dirty="0"/>
+              <a:t>API vs Non API</a:t>
+            </a:r>
+            <a:endParaRPr lang="en-US" dirty="0"/>
+          </a:p>
+          <a:p>
+            <a:pPr marL="171450" lvl="0" indent="-171450" fontAlgn="auto">
+              <a:lnSpc>
+                <a:spcPct val="200000"/>
+              </a:lnSpc>
+              <a:spcBef>
+                <a:spcPts val="700"/>
+              </a:spcBef>
+              <a:buFont typeface="Arial" panose="020B0604020202020204" pitchFamily="34" charset="0"/>
+              <a:buChar char="•"/>
+            </a:pPr>
+            <a:r>
+              <a:rPr lang="en-US" dirty="0"/>
+              <a:t>JWT</a:t>
+            </a:r>
+            <a:endParaRPr lang="en-US" dirty="0"/>
+          </a:p>
+          <a:p>
+            <a:pPr marL="171450" lvl="0" indent="-171450" fontAlgn="auto">
+              <a:lnSpc>
+                <a:spcPct val="200000"/>
+              </a:lnSpc>
+              <a:spcBef>
+                <a:spcPts val="700"/>
+              </a:spcBef>
+              <a:buFont typeface="Arial" panose="020B0604020202020204" pitchFamily="34" charset="0"/>
+              <a:buChar char="•"/>
+            </a:pPr>
+            <a:r>
+              <a:rPr lang="en-US" dirty="0"/>
+              <a:t>Fi</a:t>
+            </a:r>
+            <a:r>
+              <a:rPr lang="en-US" dirty="0"/>
+              <a:t>le Upload</a:t>
+            </a:r>
+            <a:endParaRPr lang="en-US" dirty="0"/>
+          </a:p>
+          <a:p>
+            <a:pPr marL="171450" lvl="0" indent="-171450" fontAlgn="auto">
+              <a:lnSpc>
+                <a:spcPct val="200000"/>
+              </a:lnSpc>
+              <a:spcBef>
+                <a:spcPts val="700"/>
+              </a:spcBef>
+              <a:buFont typeface="Arial" panose="020B0604020202020204" pitchFamily="34" charset="0"/>
+              <a:buChar char="•"/>
+            </a:pPr>
             <a:endParaRPr lang="en-US" dirty="0"/>
           </a:p>
           <a:p>
@@ -9437,6 +9782,227 @@
 </file>
 
 <file path=ppt/slides/slide3.xml><?xml version="1.0" encoding="utf-8"?>
+<p:sld xmlns:a="http://schemas.openxmlformats.org/drawingml/2006/main" xmlns:r="http://schemas.openxmlformats.org/officeDocument/2006/relationships" xmlns:p="http://schemas.openxmlformats.org/presentationml/2006/main">
+  <p:cSld>
+    <p:spTree>
+      <p:nvGrpSpPr>
+        <p:cNvPr id="1" name=""/>
+        <p:cNvGrpSpPr/>
+        <p:nvPr/>
+      </p:nvGrpSpPr>
+      <p:grpSpPr>
+        <a:xfrm>
+          <a:off x="0" y="0"/>
+          <a:ext cx="0" cy="0"/>
+          <a:chOff x="0" y="0"/>
+          <a:chExt cx="0" cy="0"/>
+        </a:xfrm>
+      </p:grpSpPr>
+      <p:sp>
+        <p:nvSpPr>
+          <p:cNvPr id="21505" name="Title 1"/>
+          <p:cNvSpPr>
+            <a:spLocks noGrp="1"/>
+          </p:cNvSpPr>
+          <p:nvPr>
+            <p:ph type="title"/>
+          </p:nvPr>
+        </p:nvSpPr>
+        <p:spPr>
+          <a:xfrm>
+            <a:off x="233363" y="308848"/>
+            <a:ext cx="8227219" cy="327422"/>
+          </a:xfrm>
+        </p:spPr>
+        <p:txBody>
+          <a:bodyPr vert="horz" lIns="0" tIns="0" rIns="0" bIns="0" rtlCol="0" anchor="ctr">
+            <a:normAutofit fontScale="90000"/>
+          </a:bodyPr>
+          <a:lstStyle/>
+          <a:p>
+            <a:pPr algn="ctr"/>
+            <a:r>
+              <a:rPr lang="en-US" altLang="zh-CN" sz="3200" b="1" dirty="0">
+                <a:latin typeface="Calibri" panose="020F0502020204030204" pitchFamily="34" charset="0"/>
+                <a:cs typeface="Calibri" panose="020F0502020204030204" pitchFamily="34" charset="0"/>
+              </a:rPr>
+              <a:t>Outline</a:t>
+            </a:r>
+            <a:endParaRPr lang="en-GB" altLang="zh-CN" sz="3200" b="1" dirty="0">
+              <a:latin typeface="Calibri" panose="020F0502020204030204" pitchFamily="34" charset="0"/>
+              <a:cs typeface="Calibri" panose="020F0502020204030204" pitchFamily="34" charset="0"/>
+            </a:endParaRPr>
+          </a:p>
+        </p:txBody>
+      </p:sp>
+      <p:sp>
+        <p:nvSpPr>
+          <p:cNvPr id="21506" name="文本框 6"/>
+          <p:cNvSpPr txBox="1"/>
+          <p:nvPr/>
+        </p:nvSpPr>
+        <p:spPr>
+          <a:xfrm>
+            <a:off x="246455" y="859156"/>
+            <a:ext cx="8651359" cy="5486400"/>
+          </a:xfrm>
+          <a:prstGeom prst="rect">
+            <a:avLst/>
+          </a:prstGeom>
+          <a:noFill/>
+          <a:ln w="9525">
+            <a:noFill/>
+          </a:ln>
+        </p:spPr>
+        <p:txBody>
+          <a:bodyPr wrap="square" lIns="0" tIns="0" rIns="0" bIns="0" anchor="t"/>
+          <a:lstStyle/>
+          <a:p>
+            <a:pPr marL="171450" lvl="0" indent="-171450" fontAlgn="auto">
+              <a:lnSpc>
+                <a:spcPct val="200000"/>
+              </a:lnSpc>
+              <a:spcBef>
+                <a:spcPts val="700"/>
+              </a:spcBef>
+              <a:buFont typeface="Arial" panose="020B0604020202020204" pitchFamily="34" charset="0"/>
+              <a:buChar char="•"/>
+            </a:pPr>
+            <a:endParaRPr lang="en-US" dirty="0"/>
+          </a:p>
+        </p:txBody>
+      </p:sp>
+      <p:sp>
+        <p:nvSpPr>
+          <p:cNvPr id="6" name="TextBox 6"/>
+          <p:cNvSpPr txBox="1"/>
+          <p:nvPr/>
+        </p:nvSpPr>
+        <p:spPr>
+          <a:xfrm>
+            <a:off x="25183" y="6636420"/>
+            <a:ext cx="3270445" cy="184664"/>
+          </a:xfrm>
+          <a:prstGeom prst="rect">
+            <a:avLst/>
+          </a:prstGeom>
+          <a:ln w="12700">
+            <a:miter lim="400000"/>
+          </a:ln>
+        </p:spPr>
+        <p:txBody>
+          <a:bodyPr wrap="none" lIns="34289" tIns="34289" rIns="34289" bIns="34289">
+            <a:spAutoFit/>
+          </a:bodyPr>
+          <a:lstStyle>
+            <a:lvl1pPr defTabSz="914400">
+              <a:defRPr sz="1000">
+                <a:solidFill>
+                  <a:srgbClr val="FFFFFF"/>
+                </a:solidFill>
+                <a:latin typeface="Montserrat" panose="00000500000000000000"/>
+                <a:ea typeface="Montserrat" panose="00000500000000000000"/>
+                <a:cs typeface="Montserrat" panose="00000500000000000000"/>
+                <a:sym typeface="Montserrat" panose="00000500000000000000"/>
+              </a:defRPr>
+            </a:lvl1pPr>
+          </a:lstStyle>
+          <a:p>
+            <a:r>
+              <a:rPr lang="en-US" sz="750" dirty="0">
+                <a:solidFill>
+                  <a:schemeClr val="tx1"/>
+                </a:solidFill>
+                <a:latin typeface="Montserrat" panose="00000500000000000000" pitchFamily="2" charset="0"/>
+              </a:rPr>
+              <a:t>© 2017-2020    SmartMesh Foundation Pte. Ltd.  |  MeshBox Foundation Pte. Ltd.</a:t>
+            </a:r>
+            <a:endParaRPr lang="en-US" sz="750" dirty="0">
+              <a:solidFill>
+                <a:schemeClr val="tx1"/>
+              </a:solidFill>
+              <a:latin typeface="Montserrat" panose="00000500000000000000" pitchFamily="2" charset="0"/>
+              <a:sym typeface="Arial" panose="020B0604020202020204"/>
+            </a:endParaRPr>
+          </a:p>
+        </p:txBody>
+      </p:sp>
+      <p:sp>
+        <p:nvSpPr>
+          <p:cNvPr id="7" name="TextBox 6"/>
+          <p:cNvSpPr txBox="1">
+            <a:spLocks noChangeArrowheads="1"/>
+          </p:cNvSpPr>
+          <p:nvPr/>
+        </p:nvSpPr>
+        <p:spPr bwMode="auto">
+          <a:xfrm>
+            <a:off x="7872314" y="6569155"/>
+            <a:ext cx="1289447" cy="253916"/>
+          </a:xfrm>
+          <a:prstGeom prst="rect">
+            <a:avLst/>
+          </a:prstGeom>
+          <a:noFill/>
+          <a:ln w="9525">
+            <a:noFill/>
+            <a:miter lim="800000"/>
+          </a:ln>
+        </p:spPr>
+        <p:txBody>
+          <a:bodyPr>
+            <a:spAutoFit/>
+          </a:bodyPr>
+          <a:lstStyle/>
+          <a:p>
+            <a:pPr algn="r"/>
+            <a:fld id="{6F888031-CE6A-4173-BB2B-520974F34056}" type="slidenum">
+              <a:rPr lang="en-GB" sz="1050">
+                <a:latin typeface="Calibri" panose="020F0502020204030204" pitchFamily="34" charset="0"/>
+              </a:rPr>
+            </a:fld>
+            <a:endParaRPr lang="en-GB" sz="1050" dirty="0">
+              <a:latin typeface="Calibri" panose="020F0502020204030204" pitchFamily="34" charset="0"/>
+            </a:endParaRPr>
+          </a:p>
+        </p:txBody>
+      </p:sp>
+      <p:pic>
+        <p:nvPicPr>
+          <p:cNvPr id="2" name="图片 1"/>
+          <p:cNvPicPr>
+            <a:picLocks noChangeAspect="1"/>
+          </p:cNvPicPr>
+          <p:nvPr/>
+        </p:nvPicPr>
+        <p:blipFill>
+          <a:blip r:embed="rId1"/>
+          <a:stretch>
+            <a:fillRect/>
+          </a:stretch>
+        </p:blipFill>
+        <p:spPr>
+          <a:xfrm>
+            <a:off x="246380" y="1640205"/>
+            <a:ext cx="8286750" cy="3000375"/>
+          </a:xfrm>
+          <a:prstGeom prst="rect">
+            <a:avLst/>
+          </a:prstGeom>
+        </p:spPr>
+      </p:pic>
+    </p:spTree>
+  </p:cSld>
+  <p:clrMapOvr>
+    <a:masterClrMapping/>
+  </p:clrMapOvr>
+  <p:transition spd="med">
+    <p:fade/>
+  </p:transition>
+</p:sld>
+</file>
+
+<file path=ppt/slides/slide4.xml><?xml version="1.0" encoding="utf-8"?>
 <p:sld xmlns:a="http://schemas.openxmlformats.org/drawingml/2006/main" xmlns:r="http://schemas.openxmlformats.org/officeDocument/2006/relationships" xmlns:p="http://schemas.openxmlformats.org/presentationml/2006/main">
   <p:cSld>
     <p:spTree>
@@ -9668,147 +10234,6 @@
 </p:sld>
 </file>
 
-<file path=ppt/slides/slide4.xml><?xml version="1.0" encoding="utf-8"?>
-<p:sld xmlns:a="http://schemas.openxmlformats.org/drawingml/2006/main" xmlns:r="http://schemas.openxmlformats.org/officeDocument/2006/relationships" xmlns:p="http://schemas.openxmlformats.org/presentationml/2006/main">
-  <p:cSld>
-    <p:spTree>
-      <p:nvGrpSpPr>
-        <p:cNvPr id="1" name=""/>
-        <p:cNvGrpSpPr/>
-        <p:nvPr/>
-      </p:nvGrpSpPr>
-      <p:grpSpPr>
-        <a:xfrm>
-          <a:off x="0" y="0"/>
-          <a:ext cx="0" cy="0"/>
-          <a:chOff x="0" y="0"/>
-          <a:chExt cx="0" cy="0"/>
-        </a:xfrm>
-      </p:grpSpPr>
-      <p:sp>
-        <p:nvSpPr>
-          <p:cNvPr id="2" name="Title 1"/>
-          <p:cNvSpPr>
-            <a:spLocks noGrp="1"/>
-          </p:cNvSpPr>
-          <p:nvPr>
-            <p:ph type="title"/>
-          </p:nvPr>
-        </p:nvSpPr>
-        <p:spPr>
-          <a:xfrm>
-            <a:off x="628650" y="155263"/>
-            <a:ext cx="7886700" cy="526790"/>
-          </a:xfrm>
-        </p:spPr>
-        <p:txBody>
-          <a:bodyPr>
-            <a:normAutofit fontScale="90000"/>
-          </a:bodyPr>
-          <a:lstStyle/>
-          <a:p>
-            <a:pPr algn="ctr"/>
-            <a:r>
-              <a:rPr lang="en-US" altLang="zh-CN" sz="3200" b="1" dirty="0">
-                <a:latin typeface="Calibri" panose="020F0502020204030204" pitchFamily="34" charset="0"/>
-                <a:cs typeface="Calibri" panose="020F0502020204030204" pitchFamily="34" charset="0"/>
-              </a:rPr>
-              <a:t>Views: Templates</a:t>
-            </a:r>
-            <a:endParaRPr lang="zh-CN" altLang="en-US" sz="3200" b="1" dirty="0">
-              <a:latin typeface="Calibri" panose="020F0502020204030204" pitchFamily="34" charset="0"/>
-              <a:cs typeface="Calibri" panose="020F0502020204030204" pitchFamily="34" charset="0"/>
-            </a:endParaRPr>
-          </a:p>
-        </p:txBody>
-      </p:sp>
-      <p:sp>
-        <p:nvSpPr>
-          <p:cNvPr id="3" name="Content Placeholder 2"/>
-          <p:cNvSpPr>
-            <a:spLocks noGrp="1"/>
-          </p:cNvSpPr>
-          <p:nvPr>
-            <p:ph idx="1"/>
-          </p:nvPr>
-        </p:nvSpPr>
-        <p:spPr>
-          <a:xfrm>
-            <a:off x="628650" y="989044"/>
-            <a:ext cx="7886700" cy="5605719"/>
-          </a:xfrm>
-        </p:spPr>
-        <p:txBody>
-          <a:bodyPr>
-            <a:normAutofit/>
-          </a:bodyPr>
-          <a:lstStyle/>
-          <a:p>
-            <a:pPr defTabSz="342900">
-              <a:lnSpc>
-                <a:spcPct val="120000"/>
-              </a:lnSpc>
-            </a:pPr>
-            <a:r>
-              <a:rPr lang="en-US" altLang="en-US" sz="1780" dirty="0">
-                <a:solidFill>
-                  <a:schemeClr val="tx1"/>
-                </a:solidFill>
-              </a:rPr>
-              <a:t>EJS: html + code https://github.com/tj/ejs</a:t>
-            </a:r>
-            <a:endParaRPr lang="en-US" altLang="en-US" sz="1780" dirty="0">
-              <a:solidFill>
-                <a:schemeClr val="tx1"/>
-              </a:solidFill>
-            </a:endParaRPr>
-          </a:p>
-          <a:p>
-            <a:pPr defTabSz="342900">
-              <a:lnSpc>
-                <a:spcPct val="120000"/>
-              </a:lnSpc>
-            </a:pPr>
-            <a:endParaRPr lang="en-US" altLang="en-US" sz="1780" dirty="0">
-              <a:solidFill>
-                <a:schemeClr val="tx1"/>
-              </a:solidFill>
-            </a:endParaRPr>
-          </a:p>
-        </p:txBody>
-      </p:sp>
-      <p:pic>
-        <p:nvPicPr>
-          <p:cNvPr id="5" name="图片 4"/>
-          <p:cNvPicPr>
-            <a:picLocks noChangeAspect="1"/>
-          </p:cNvPicPr>
-          <p:nvPr/>
-        </p:nvPicPr>
-        <p:blipFill>
-          <a:blip r:embed="rId1"/>
-          <a:stretch>
-            <a:fillRect/>
-          </a:stretch>
-        </p:blipFill>
-        <p:spPr>
-          <a:xfrm>
-            <a:off x="628650" y="1644015"/>
-            <a:ext cx="6181725" cy="4295775"/>
-          </a:xfrm>
-          <a:prstGeom prst="rect">
-            <a:avLst/>
-          </a:prstGeom>
-        </p:spPr>
-      </p:pic>
-    </p:spTree>
-  </p:cSld>
-  <p:clrMapOvr>
-    <a:masterClrMapping/>
-  </p:clrMapOvr>
-</p:sld>
-</file>
-
 <file path=ppt/slides/slide5.xml><?xml version="1.0" encoding="utf-8"?>
 <p:sld xmlns:a="http://schemas.openxmlformats.org/drawingml/2006/main" xmlns:r="http://schemas.openxmlformats.org/officeDocument/2006/relationships" xmlns:p="http://schemas.openxmlformats.org/presentationml/2006/main">
   <p:cSld>
@@ -9896,7 +10321,205 @@
                   <a:schemeClr val="tx1"/>
                 </a:solidFill>
               </a:rPr>
-              <a:t>EJS: includes</a:t>
+              <a:t>EJS: html + code https://github.com/tj/ejs</a:t>
+            </a:r>
+            <a:endParaRPr lang="en-US" altLang="en-US" sz="1780" dirty="0">
+              <a:solidFill>
+                <a:schemeClr val="tx1"/>
+              </a:solidFill>
+            </a:endParaRPr>
+          </a:p>
+          <a:p>
+            <a:pPr defTabSz="342900">
+              <a:lnSpc>
+                <a:spcPct val="120000"/>
+              </a:lnSpc>
+            </a:pPr>
+            <a:endParaRPr lang="en-US" altLang="en-US" sz="1780" dirty="0">
+              <a:solidFill>
+                <a:schemeClr val="tx1"/>
+              </a:solidFill>
+            </a:endParaRPr>
+          </a:p>
+        </p:txBody>
+      </p:sp>
+      <p:pic>
+        <p:nvPicPr>
+          <p:cNvPr id="5" name="图片 4"/>
+          <p:cNvPicPr>
+            <a:picLocks noChangeAspect="1"/>
+          </p:cNvPicPr>
+          <p:nvPr/>
+        </p:nvPicPr>
+        <p:blipFill>
+          <a:blip r:embed="rId1"/>
+          <a:srcRect l="431" t="281" r="986" b="30628"/>
+          <a:stretch>
+            <a:fillRect/>
+          </a:stretch>
+        </p:blipFill>
+        <p:spPr>
+          <a:xfrm>
+            <a:off x="655320" y="1656080"/>
+            <a:ext cx="7452360" cy="3629660"/>
+          </a:xfrm>
+          <a:prstGeom prst="rect">
+            <a:avLst/>
+          </a:prstGeom>
+        </p:spPr>
+      </p:pic>
+    </p:spTree>
+  </p:cSld>
+  <p:clrMapOvr>
+    <a:masterClrMapping/>
+  </p:clrMapOvr>
+</p:sld>
+</file>
+
+<file path=ppt/slides/slide6.xml><?xml version="1.0" encoding="utf-8"?>
+<p:sld xmlns:a="http://schemas.openxmlformats.org/drawingml/2006/main" xmlns:r="http://schemas.openxmlformats.org/officeDocument/2006/relationships" xmlns:p="http://schemas.openxmlformats.org/presentationml/2006/main">
+  <p:cSld>
+    <p:spTree>
+      <p:nvGrpSpPr>
+        <p:cNvPr id="1" name=""/>
+        <p:cNvGrpSpPr/>
+        <p:nvPr/>
+      </p:nvGrpSpPr>
+      <p:grpSpPr>
+        <a:xfrm>
+          <a:off x="0" y="0"/>
+          <a:ext cx="0" cy="0"/>
+          <a:chOff x="0" y="0"/>
+          <a:chExt cx="0" cy="0"/>
+        </a:xfrm>
+      </p:grpSpPr>
+      <p:sp>
+        <p:nvSpPr>
+          <p:cNvPr id="2" name="Title 1"/>
+          <p:cNvSpPr>
+            <a:spLocks noGrp="1"/>
+          </p:cNvSpPr>
+          <p:nvPr>
+            <p:ph type="title"/>
+          </p:nvPr>
+        </p:nvSpPr>
+        <p:spPr>
+          <a:xfrm>
+            <a:off x="628650" y="155263"/>
+            <a:ext cx="7886700" cy="526790"/>
+          </a:xfrm>
+        </p:spPr>
+        <p:txBody>
+          <a:bodyPr>
+            <a:normAutofit fontScale="90000"/>
+          </a:bodyPr>
+          <a:lstStyle/>
+          <a:p>
+            <a:pPr algn="ctr"/>
+            <a:r>
+              <a:rPr lang="en-US" altLang="zh-CN" sz="3200" b="1" dirty="0">
+                <a:latin typeface="Calibri" panose="020F0502020204030204" pitchFamily="34" charset="0"/>
+                <a:cs typeface="Calibri" panose="020F0502020204030204" pitchFamily="34" charset="0"/>
+              </a:rPr>
+              <a:t>Views: Templates</a:t>
+            </a:r>
+            <a:endParaRPr lang="zh-CN" altLang="en-US" sz="3200" b="1" dirty="0">
+              <a:latin typeface="Calibri" panose="020F0502020204030204" pitchFamily="34" charset="0"/>
+              <a:cs typeface="Calibri" panose="020F0502020204030204" pitchFamily="34" charset="0"/>
+            </a:endParaRPr>
+          </a:p>
+        </p:txBody>
+      </p:sp>
+      <p:sp>
+        <p:nvSpPr>
+          <p:cNvPr id="3" name="Content Placeholder 2"/>
+          <p:cNvSpPr>
+            <a:spLocks noGrp="1"/>
+          </p:cNvSpPr>
+          <p:nvPr>
+            <p:ph idx="1"/>
+          </p:nvPr>
+        </p:nvSpPr>
+        <p:spPr>
+          <a:xfrm>
+            <a:off x="628650" y="989044"/>
+            <a:ext cx="7886700" cy="5605719"/>
+          </a:xfrm>
+        </p:spPr>
+        <p:txBody>
+          <a:bodyPr>
+            <a:normAutofit/>
+          </a:bodyPr>
+          <a:lstStyle/>
+          <a:p>
+            <a:pPr defTabSz="342900">
+              <a:lnSpc>
+                <a:spcPct val="120000"/>
+              </a:lnSpc>
+            </a:pPr>
+            <a:r>
+              <a:rPr lang="en-US" altLang="en-US" sz="1780" dirty="0">
+                <a:solidFill>
+                  <a:schemeClr val="tx1"/>
+                </a:solidFill>
+              </a:rPr>
+              <a:t>1 if statement</a:t>
+            </a:r>
+            <a:endParaRPr lang="en-US" altLang="en-US" sz="1780" dirty="0">
+              <a:solidFill>
+                <a:schemeClr val="tx1"/>
+              </a:solidFill>
+            </a:endParaRPr>
+          </a:p>
+          <a:p>
+            <a:pPr defTabSz="342900">
+              <a:lnSpc>
+                <a:spcPct val="120000"/>
+              </a:lnSpc>
+            </a:pPr>
+            <a:endParaRPr lang="en-US" altLang="en-US" sz="1780" dirty="0">
+              <a:solidFill>
+                <a:schemeClr val="tx1"/>
+              </a:solidFill>
+            </a:endParaRPr>
+          </a:p>
+          <a:p>
+            <a:pPr defTabSz="342900">
+              <a:lnSpc>
+                <a:spcPct val="120000"/>
+              </a:lnSpc>
+            </a:pPr>
+            <a:endParaRPr lang="en-US" altLang="en-US" sz="1780" dirty="0">
+              <a:solidFill>
+                <a:schemeClr val="tx1"/>
+              </a:solidFill>
+            </a:endParaRPr>
+          </a:p>
+          <a:p>
+            <a:pPr defTabSz="342900">
+              <a:lnSpc>
+                <a:spcPct val="120000"/>
+              </a:lnSpc>
+            </a:pPr>
+            <a:endParaRPr lang="en-US" altLang="en-US" sz="1780" dirty="0">
+              <a:solidFill>
+                <a:schemeClr val="tx1"/>
+              </a:solidFill>
+            </a:endParaRPr>
+          </a:p>
+          <a:p>
+            <a:pPr defTabSz="342900">
+              <a:lnSpc>
+                <a:spcPct val="120000"/>
+              </a:lnSpc>
+            </a:pPr>
+            <a:r>
+              <a:rPr lang="en-US" altLang="en-US" sz="1780" dirty="0">
+                <a:solidFill>
+                  <a:schemeClr val="tx1"/>
+                </a:solidFill>
+              </a:rPr>
+              <a:t>2 EJS: includes</a:t>
             </a:r>
             <a:endParaRPr lang="en-US" altLang="en-US" sz="1780" dirty="0">
               <a:solidFill>
@@ -9958,8 +10581,32 @@
         </p:blipFill>
         <p:spPr>
           <a:xfrm>
-            <a:off x="628650" y="2720340"/>
+            <a:off x="471170" y="3990975"/>
             <a:ext cx="6746875" cy="1768475"/>
+          </a:xfrm>
+          <a:prstGeom prst="rect">
+            <a:avLst/>
+          </a:prstGeom>
+        </p:spPr>
+      </p:pic>
+      <p:pic>
+        <p:nvPicPr>
+          <p:cNvPr id="5" name="图片 4"/>
+          <p:cNvPicPr>
+            <a:picLocks noChangeAspect="1"/>
+          </p:cNvPicPr>
+          <p:nvPr/>
+        </p:nvPicPr>
+        <p:blipFill>
+          <a:blip r:embed="rId3"/>
+          <a:stretch>
+            <a:fillRect/>
+          </a:stretch>
+        </p:blipFill>
+        <p:spPr>
+          <a:xfrm>
+            <a:off x="715645" y="1454785"/>
+            <a:ext cx="2800350" cy="952500"/>
           </a:xfrm>
           <a:prstGeom prst="rect">
             <a:avLst/>
@@ -9974,7 +10621,7 @@
 </p:sld>
 </file>
 
-<file path=ppt/slides/slide6.xml><?xml version="1.0" encoding="utf-8"?>
+<file path=ppt/slides/slide7.xml><?xml version="1.0" encoding="utf-8"?>
 <p:sld xmlns:a="http://schemas.openxmlformats.org/drawingml/2006/main" xmlns:r="http://schemas.openxmlformats.org/officeDocument/2006/relationships" xmlns:p="http://schemas.openxmlformats.org/presentationml/2006/main">
   <p:cSld>
     <p:spTree>
@@ -10179,7 +10826,7 @@
 </p:sld>
 </file>
 
-<file path=ppt/slides/slide7.xml><?xml version="1.0" encoding="utf-8"?>
+<file path=ppt/slides/slide8.xml><?xml version="1.0" encoding="utf-8"?>
 <p:sld xmlns:a="http://schemas.openxmlformats.org/drawingml/2006/main" xmlns:r="http://schemas.openxmlformats.org/officeDocument/2006/relationships" xmlns:p="http://schemas.openxmlformats.org/presentationml/2006/main">
   <p:cSld>
     <p:spTree>
@@ -10489,173 +11136,6 @@
 </p:sld>
 </file>
 
-<file path=ppt/slides/slide8.xml><?xml version="1.0" encoding="utf-8"?>
-<p:sld xmlns:a="http://schemas.openxmlformats.org/drawingml/2006/main" xmlns:r="http://schemas.openxmlformats.org/officeDocument/2006/relationships" xmlns:p="http://schemas.openxmlformats.org/presentationml/2006/main">
-  <p:cSld>
-    <p:spTree>
-      <p:nvGrpSpPr>
-        <p:cNvPr id="1" name=""/>
-        <p:cNvGrpSpPr/>
-        <p:nvPr/>
-      </p:nvGrpSpPr>
-      <p:grpSpPr>
-        <a:xfrm>
-          <a:off x="0" y="0"/>
-          <a:ext cx="0" cy="0"/>
-          <a:chOff x="0" y="0"/>
-          <a:chExt cx="0" cy="0"/>
-        </a:xfrm>
-      </p:grpSpPr>
-      <p:sp>
-        <p:nvSpPr>
-          <p:cNvPr id="2" name="Title 1"/>
-          <p:cNvSpPr>
-            <a:spLocks noGrp="1"/>
-          </p:cNvSpPr>
-          <p:nvPr>
-            <p:ph type="title"/>
-          </p:nvPr>
-        </p:nvSpPr>
-        <p:spPr>
-          <a:xfrm>
-            <a:off x="628650" y="155263"/>
-            <a:ext cx="7886700" cy="526790"/>
-          </a:xfrm>
-        </p:spPr>
-        <p:txBody>
-          <a:bodyPr>
-            <a:normAutofit fontScale="90000"/>
-          </a:bodyPr>
-          <a:lstStyle/>
-          <a:p>
-            <a:pPr algn="ctr"/>
-            <a:r>
-              <a:rPr lang="en-US" altLang="zh-CN" sz="3200" b="1" dirty="0">
-                <a:latin typeface="Calibri" panose="020F0502020204030204" pitchFamily="34" charset="0"/>
-                <a:cs typeface="Calibri" panose="020F0502020204030204" pitchFamily="34" charset="0"/>
-              </a:rPr>
-              <a:t>Views: Pass Parameters down to the View</a:t>
-            </a:r>
-            <a:endParaRPr lang="zh-CN" altLang="en-US" sz="3200" b="1" dirty="0">
-              <a:latin typeface="Calibri" panose="020F0502020204030204" pitchFamily="34" charset="0"/>
-              <a:cs typeface="Calibri" panose="020F0502020204030204" pitchFamily="34" charset="0"/>
-            </a:endParaRPr>
-          </a:p>
-        </p:txBody>
-      </p:sp>
-      <p:sp>
-        <p:nvSpPr>
-          <p:cNvPr id="3" name="Content Placeholder 2"/>
-          <p:cNvSpPr>
-            <a:spLocks noGrp="1"/>
-          </p:cNvSpPr>
-          <p:nvPr>
-            <p:ph idx="1"/>
-          </p:nvPr>
-        </p:nvSpPr>
-        <p:spPr>
-          <a:xfrm>
-            <a:off x="628650" y="989044"/>
-            <a:ext cx="7886700" cy="5605719"/>
-          </a:xfrm>
-        </p:spPr>
-        <p:txBody>
-          <a:bodyPr>
-            <a:normAutofit/>
-          </a:bodyPr>
-          <a:lstStyle/>
-          <a:p>
-            <a:pPr defTabSz="342900">
-              <a:lnSpc>
-                <a:spcPct val="120000"/>
-              </a:lnSpc>
-            </a:pPr>
-            <a:r>
-              <a:rPr lang="en-US" sz="1780" dirty="0">
-                <a:solidFill>
-                  <a:schemeClr val="tx1"/>
-                </a:solidFill>
-              </a:rPr>
-              <a:t>render vs redirect</a:t>
-            </a:r>
-            <a:endParaRPr lang="en-US" altLang="en-US" sz="1780" dirty="0">
-              <a:solidFill>
-                <a:schemeClr val="tx1"/>
-              </a:solidFill>
-            </a:endParaRPr>
-          </a:p>
-          <a:p>
-            <a:pPr defTabSz="342900">
-              <a:lnSpc>
-                <a:spcPct val="120000"/>
-              </a:lnSpc>
-            </a:pPr>
-            <a:endParaRPr lang="en-US" altLang="en-US" sz="1780" dirty="0">
-              <a:solidFill>
-                <a:schemeClr val="tx1"/>
-              </a:solidFill>
-            </a:endParaRPr>
-          </a:p>
-          <a:p>
-            <a:pPr defTabSz="342900">
-              <a:lnSpc>
-                <a:spcPct val="120000"/>
-              </a:lnSpc>
-            </a:pPr>
-            <a:endParaRPr lang="en-US" altLang="en-US" sz="1780" dirty="0">
-              <a:solidFill>
-                <a:schemeClr val="tx1"/>
-              </a:solidFill>
-            </a:endParaRPr>
-          </a:p>
-          <a:p>
-            <a:pPr defTabSz="342900">
-              <a:lnSpc>
-                <a:spcPct val="120000"/>
-              </a:lnSpc>
-            </a:pPr>
-            <a:endParaRPr lang="en-US" altLang="en-US" sz="1780" dirty="0">
-              <a:solidFill>
-                <a:schemeClr val="tx1"/>
-              </a:solidFill>
-            </a:endParaRPr>
-          </a:p>
-          <a:p>
-            <a:pPr defTabSz="342900">
-              <a:lnSpc>
-                <a:spcPct val="120000"/>
-              </a:lnSpc>
-            </a:pPr>
-            <a:endParaRPr lang="en-US" altLang="en-US" sz="1775" dirty="0">
-              <a:solidFill>
-                <a:schemeClr val="tx1"/>
-              </a:solidFill>
-              <a:sym typeface="+mn-ea"/>
-            </a:endParaRPr>
-          </a:p>
-          <a:p>
-            <a:pPr defTabSz="342900">
-              <a:lnSpc>
-                <a:spcPct val="120000"/>
-              </a:lnSpc>
-            </a:pPr>
-            <a:endParaRPr lang="en-US" altLang="en-US" sz="1775" dirty="0">
-              <a:solidFill>
-                <a:schemeClr val="tx1"/>
-              </a:solidFill>
-              <a:sym typeface="+mn-ea"/>
-            </a:endParaRPr>
-          </a:p>
-        </p:txBody>
-      </p:sp>
-    </p:spTree>
-  </p:cSld>
-  <p:clrMapOvr>
-    <a:masterClrMapping/>
-  </p:clrMapOvr>
-</p:sld>
-</file>
-
 <file path=ppt/slides/slide9.xml><?xml version="1.0" encoding="utf-8"?>
 <p:sld xmlns:a="http://schemas.openxmlformats.org/drawingml/2006/main" xmlns:r="http://schemas.openxmlformats.org/officeDocument/2006/relationships" xmlns:p="http://schemas.openxmlformats.org/presentationml/2006/main">
   <p:cSld>
@@ -10701,9 +11181,9 @@
                 <a:latin typeface="Calibri" panose="020F0502020204030204" pitchFamily="34" charset="0"/>
                 <a:cs typeface="Calibri" panose="020F0502020204030204" pitchFamily="34" charset="0"/>
               </a:rPr>
-              <a:t>Form</a:t>
-            </a:r>
-            <a:endParaRPr lang="en-US" altLang="zh-CN" sz="3200" b="1" dirty="0">
+              <a:t>Views: Pass Parameters down to the View</a:t>
+            </a:r>
+            <a:endParaRPr lang="zh-CN" altLang="en-US" sz="3200" b="1" dirty="0">
               <a:latin typeface="Calibri" panose="020F0502020204030204" pitchFamily="34" charset="0"/>
               <a:cs typeface="Calibri" panose="020F0502020204030204" pitchFamily="34" charset="0"/>
             </a:endParaRPr>
@@ -10738,16 +11218,16 @@
               </a:lnSpc>
             </a:pPr>
             <a:r>
-              <a:rPr lang="en-US" altLang="en-US" sz="1780" dirty="0">
+              <a:rPr lang="en-US" sz="1780" dirty="0">
                 <a:solidFill>
-                  <a:srgbClr val="262626"/>
+                  <a:schemeClr val="tx1"/>
                 </a:solidFill>
               </a:rPr>
-              <a:t>1 specify Router</a:t>
-            </a:r>
-            <a:endParaRPr lang="en-US" altLang="en-US" sz="1780" dirty="0">
+              <a:t>render vs redirect</a:t>
+            </a:r>
+            <a:endParaRPr lang="en-US" sz="1780" dirty="0">
               <a:solidFill>
-                <a:srgbClr val="262626"/>
+                <a:schemeClr val="tx1"/>
               </a:solidFill>
             </a:endParaRPr>
           </a:p>
@@ -10760,34 +11240,14 @@
             <a:r>
               <a:rPr lang="en-US" altLang="en-US" sz="1780" dirty="0">
                 <a:solidFill>
-                  <a:srgbClr val="262626"/>
+                  <a:schemeClr val="tx1"/>
                 </a:solidFill>
               </a:rPr>
-              <a:t>2 specify the request type, usually POST for Forms</a:t>
+              <a:t>res.render() will render the view with data passed to it, res.redirect() will redirect a user to another page (at which point the request starts over)</a:t>
             </a:r>
             <a:endParaRPr lang="en-US" altLang="en-US" sz="1780" dirty="0">
               <a:solidFill>
-                <a:srgbClr val="262626"/>
-              </a:solidFill>
-            </a:endParaRPr>
-          </a:p>
-          <a:p>
-            <a:pPr defTabSz="342900">
-              <a:lnSpc>
-                <a:spcPct val="120000"/>
-              </a:lnSpc>
-            </a:pPr>
-            <a:r>
-              <a:rPr lang="en-US" altLang="en-US" sz="1780" dirty="0">
-                <a:solidFill>
-                  <a:srgbClr val="262626"/>
-                </a:solidFill>
-              </a:rPr>
-              <a:t>Form will take inputs value as parameters to send to the server</a:t>
-            </a:r>
-            <a:endParaRPr lang="en-US" altLang="en-US" sz="1780" dirty="0">
-              <a:solidFill>
-                <a:srgbClr val="262626"/>
+                <a:schemeClr val="tx1"/>
               </a:solidFill>
             </a:endParaRPr>
           </a:p>
@@ -10799,7 +11259,47 @@
             </a:pPr>
             <a:endParaRPr lang="en-US" altLang="en-US" sz="1780" dirty="0">
               <a:solidFill>
-                <a:srgbClr val="262626"/>
+                <a:schemeClr val="tx1"/>
+              </a:solidFill>
+            </a:endParaRPr>
+          </a:p>
+          <a:p>
+            <a:pPr defTabSz="342900">
+              <a:lnSpc>
+                <a:spcPct val="120000"/>
+              </a:lnSpc>
+            </a:pPr>
+            <a:r>
+              <a:rPr lang="en-US" altLang="en-US" sz="1780" dirty="0">
+                <a:solidFill>
+                  <a:schemeClr val="tx1"/>
+                </a:solidFill>
+              </a:rPr>
+              <a:t>redirect can also pass the data</a:t>
+            </a:r>
+            <a:endParaRPr lang="en-US" altLang="en-US" sz="1780" dirty="0">
+              <a:solidFill>
+                <a:schemeClr val="tx1"/>
+              </a:solidFill>
+            </a:endParaRPr>
+          </a:p>
+          <a:p>
+            <a:pPr defTabSz="342900">
+              <a:lnSpc>
+                <a:spcPct val="120000"/>
+              </a:lnSpc>
+            </a:pPr>
+            <a:r>
+              <a:rPr lang="en-US" altLang="en-US" sz="1780" dirty="0">
+                <a:solidFill>
+                  <a:schemeClr val="tx1"/>
+                </a:solidFill>
+              </a:rPr>
+              <a:t>res.redirect('/?valid=' + string);</a:t>
+            </a:r>
+            <a:endParaRPr lang="en-US" altLang="en-US" sz="1780" dirty="0">
+              <a:solidFill>
+                <a:schemeClr val="tx1"/>
               </a:solidFill>
             </a:endParaRPr>
           </a:p>
@@ -10811,7 +11311,47 @@
             </a:pPr>
             <a:endParaRPr lang="en-US" altLang="en-US" sz="1780" dirty="0">
               <a:solidFill>
-                <a:srgbClr val="262626"/>
+                <a:schemeClr val="tx1"/>
+              </a:solidFill>
+            </a:endParaRPr>
+          </a:p>
+          <a:p>
+            <a:pPr defTabSz="342900">
+              <a:lnSpc>
+                <a:spcPct val="120000"/>
+              </a:lnSpc>
+            </a:pPr>
+            <a:r>
+              <a:rPr lang="en-US" altLang="en-US" sz="1780" dirty="0">
+                <a:solidFill>
+                  <a:schemeClr val="tx1"/>
+                </a:solidFill>
+              </a:rPr>
+              <a:t>res.json() vs res.send()</a:t>
+            </a:r>
+            <a:endParaRPr lang="en-US" altLang="en-US" sz="1780" dirty="0">
+              <a:solidFill>
+                <a:schemeClr val="tx1"/>
+              </a:solidFill>
+            </a:endParaRPr>
+          </a:p>
+          <a:p>
+            <a:pPr defTabSz="342900">
+              <a:lnSpc>
+                <a:spcPct val="120000"/>
+              </a:lnSpc>
+            </a:pPr>
+            <a:r>
+              <a:rPr lang="en-US" altLang="en-US" sz="1780" dirty="0">
+                <a:solidFill>
+                  <a:schemeClr val="tx1"/>
+                </a:solidFill>
+              </a:rPr>
+              <a:t>res.json() allows for extra formatting of the JSON data - if this is not required res.send()</a:t>
+            </a:r>
+            <a:endParaRPr lang="en-US" altLang="en-US" sz="1780" dirty="0">
+              <a:solidFill>
+                <a:schemeClr val="tx1"/>
               </a:solidFill>
             </a:endParaRPr>
           </a:p>
@@ -10823,7 +11363,7 @@
             </a:pPr>
             <a:endParaRPr lang="en-US" altLang="en-US" sz="1780" dirty="0">
               <a:solidFill>
-                <a:srgbClr val="262626"/>
+                <a:schemeClr val="tx1"/>
               </a:solidFill>
             </a:endParaRPr>
           </a:p>
@@ -10835,7 +11375,7 @@
             </a:pPr>
             <a:endParaRPr lang="en-US" altLang="en-US" sz="1780" dirty="0">
               <a:solidFill>
-                <a:srgbClr val="262626"/>
+                <a:schemeClr val="tx1"/>
               </a:solidFill>
             </a:endParaRPr>
           </a:p>
@@ -10845,70 +11385,28 @@
                 <a:spcPct val="120000"/>
               </a:lnSpc>
             </a:pPr>
-            <a:r>
-              <a:rPr lang="en-US" altLang="en-US" sz="1780" dirty="0">
-                <a:solidFill>
-                  <a:srgbClr val="262626"/>
-                </a:solidFill>
-              </a:rPr>
-              <a:t>action should match routes, then the route will call the controller function to handle the request. In this case, put action = /genre/create</a:t>
-            </a:r>
-            <a:endParaRPr lang="en-US" altLang="en-US" sz="1780" dirty="0">
+            <a:endParaRPr lang="en-US" altLang="en-US" sz="1775" dirty="0">
               <a:solidFill>
-                <a:srgbClr val="262626"/>
+                <a:schemeClr val="tx1"/>
               </a:solidFill>
+              <a:sym typeface="+mn-ea"/>
             </a:endParaRPr>
           </a:p>
-        </p:txBody>
-      </p:sp>
-      <p:pic>
-        <p:nvPicPr>
-          <p:cNvPr id="5" name="图片 4"/>
-          <p:cNvPicPr>
-            <a:picLocks noChangeAspect="1"/>
-          </p:cNvPicPr>
-          <p:nvPr/>
-        </p:nvPicPr>
-        <p:blipFill>
-          <a:blip r:embed="rId1"/>
-          <a:stretch>
-            <a:fillRect/>
-          </a:stretch>
-        </p:blipFill>
-        <p:spPr>
-          <a:xfrm>
-            <a:off x="442595" y="2369820"/>
-            <a:ext cx="8258175" cy="1752600"/>
-          </a:xfrm>
-          <a:prstGeom prst="rect">
-            <a:avLst/>
-          </a:prstGeom>
-        </p:spPr>
-      </p:pic>
-      <p:pic>
-        <p:nvPicPr>
-          <p:cNvPr id="6" name="图片 5"/>
-          <p:cNvPicPr>
-            <a:picLocks noChangeAspect="1"/>
-          </p:cNvPicPr>
-          <p:nvPr/>
-        </p:nvPicPr>
-        <p:blipFill>
-          <a:blip r:embed="rId2"/>
-          <a:stretch>
-            <a:fillRect/>
-          </a:stretch>
-        </p:blipFill>
-        <p:spPr>
-          <a:xfrm>
-            <a:off x="257175" y="5055235"/>
-            <a:ext cx="8629650" cy="1285875"/>
-          </a:xfrm>
-          <a:prstGeom prst="rect">
-            <a:avLst/>
-          </a:prstGeom>
-        </p:spPr>
-      </p:pic>
+          <a:p>
+            <a:pPr defTabSz="342900">
+              <a:lnSpc>
+                <a:spcPct val="120000"/>
+              </a:lnSpc>
+            </a:pPr>
+            <a:endParaRPr lang="en-US" altLang="en-US" sz="1775" dirty="0">
+              <a:solidFill>
+                <a:schemeClr val="tx1"/>
+              </a:solidFill>
+              <a:sym typeface="+mn-ea"/>
+            </a:endParaRPr>
+          </a:p>
+        </p:txBody>
+      </p:sp>
     </p:spTree>
   </p:cSld>
   <p:clrMapOvr>

--- a/BCI - Batch2 - Day8 - Node & Express 2.pptx
+++ b/BCI - Batch2 - Day8 - Node & Express 2.pptx
@@ -19,12 +19,13 @@
     <p:sldId id="1986" r:id="rId12"/>
     <p:sldId id="1977" r:id="rId13"/>
     <p:sldId id="1979" r:id="rId14"/>
-    <p:sldId id="1980" r:id="rId15"/>
-    <p:sldId id="1982" r:id="rId16"/>
-    <p:sldId id="1983" r:id="rId17"/>
-    <p:sldId id="1978" r:id="rId18"/>
-    <p:sldId id="1987" r:id="rId19"/>
-    <p:sldId id="1981" r:id="rId20"/>
+    <p:sldId id="2003" r:id="rId15"/>
+    <p:sldId id="1980" r:id="rId16"/>
+    <p:sldId id="1982" r:id="rId17"/>
+    <p:sldId id="1983" r:id="rId18"/>
+    <p:sldId id="1978" r:id="rId19"/>
+    <p:sldId id="1987" r:id="rId20"/>
+    <p:sldId id="1981" r:id="rId21"/>
   </p:sldIdLst>
   <p:sldSz cx="9144000" cy="6858000" type="screen4x3"/>
   <p:notesSz cx="7315200" cy="9601200"/>
@@ -7798,6 +7799,183 @@
                 <a:latin typeface="Calibri" panose="020F0502020204030204" pitchFamily="34" charset="0"/>
                 <a:cs typeface="Calibri" panose="020F0502020204030204" pitchFamily="34" charset="0"/>
               </a:rPr>
+              <a:t>Middleware</a:t>
+            </a:r>
+            <a:endParaRPr lang="en-US" altLang="zh-CN" sz="3200" b="1" dirty="0">
+              <a:latin typeface="Calibri" panose="020F0502020204030204" pitchFamily="34" charset="0"/>
+              <a:cs typeface="Calibri" panose="020F0502020204030204" pitchFamily="34" charset="0"/>
+            </a:endParaRPr>
+          </a:p>
+        </p:txBody>
+      </p:sp>
+      <p:sp>
+        <p:nvSpPr>
+          <p:cNvPr id="3" name="Content Placeholder 2"/>
+          <p:cNvSpPr>
+            <a:spLocks noGrp="1"/>
+          </p:cNvSpPr>
+          <p:nvPr>
+            <p:ph idx="1"/>
+          </p:nvPr>
+        </p:nvSpPr>
+        <p:spPr>
+          <a:xfrm>
+            <a:off x="628650" y="989044"/>
+            <a:ext cx="7886700" cy="5605719"/>
+          </a:xfrm>
+        </p:spPr>
+        <p:txBody>
+          <a:bodyPr>
+            <a:normAutofit/>
+          </a:bodyPr>
+          <a:lstStyle/>
+          <a:p>
+            <a:pPr defTabSz="342900">
+              <a:lnSpc>
+                <a:spcPct val="120000"/>
+              </a:lnSpc>
+            </a:pPr>
+            <a:r>
+              <a:rPr lang="en-US" altLang="en-US" sz="1780" dirty="0">
+                <a:solidFill>
+                  <a:srgbClr val="FF0000"/>
+                </a:solidFill>
+              </a:rPr>
+              <a:t>demo auth middleware</a:t>
+            </a:r>
+            <a:endParaRPr lang="en-US" altLang="en-US" sz="1780" dirty="0">
+              <a:solidFill>
+                <a:srgbClr val="FF0000"/>
+              </a:solidFill>
+            </a:endParaRPr>
+          </a:p>
+        </p:txBody>
+      </p:sp>
+      <p:pic>
+        <p:nvPicPr>
+          <p:cNvPr id="5" name="图片 4"/>
+          <p:cNvPicPr>
+            <a:picLocks noChangeAspect="1"/>
+          </p:cNvPicPr>
+          <p:nvPr/>
+        </p:nvPicPr>
+        <p:blipFill>
+          <a:blip r:embed="rId1"/>
+          <a:stretch>
+            <a:fillRect/>
+          </a:stretch>
+        </p:blipFill>
+        <p:spPr>
+          <a:xfrm>
+            <a:off x="4338320" y="682625"/>
+            <a:ext cx="4805680" cy="2824480"/>
+          </a:xfrm>
+          <a:prstGeom prst="rect">
+            <a:avLst/>
+          </a:prstGeom>
+        </p:spPr>
+      </p:pic>
+      <p:pic>
+        <p:nvPicPr>
+          <p:cNvPr id="6" name="图片 5"/>
+          <p:cNvPicPr>
+            <a:picLocks noChangeAspect="1"/>
+          </p:cNvPicPr>
+          <p:nvPr/>
+        </p:nvPicPr>
+        <p:blipFill>
+          <a:blip r:embed="rId2"/>
+          <a:stretch>
+            <a:fillRect/>
+          </a:stretch>
+        </p:blipFill>
+        <p:spPr>
+          <a:xfrm>
+            <a:off x="0" y="3507105"/>
+            <a:ext cx="5076825" cy="1695450"/>
+          </a:xfrm>
+          <a:prstGeom prst="rect">
+            <a:avLst/>
+          </a:prstGeom>
+        </p:spPr>
+      </p:pic>
+      <p:pic>
+        <p:nvPicPr>
+          <p:cNvPr id="7" name="图片 6"/>
+          <p:cNvPicPr>
+            <a:picLocks noChangeAspect="1"/>
+          </p:cNvPicPr>
+          <p:nvPr/>
+        </p:nvPicPr>
+        <p:blipFill>
+          <a:blip r:embed="rId3"/>
+          <a:stretch>
+            <a:fillRect/>
+          </a:stretch>
+        </p:blipFill>
+        <p:spPr>
+          <a:xfrm>
+            <a:off x="4352925" y="5181600"/>
+            <a:ext cx="4791075" cy="1676400"/>
+          </a:xfrm>
+          <a:prstGeom prst="rect">
+            <a:avLst/>
+          </a:prstGeom>
+        </p:spPr>
+      </p:pic>
+    </p:spTree>
+  </p:cSld>
+  <p:clrMapOvr>
+    <a:masterClrMapping/>
+  </p:clrMapOvr>
+</p:sld>
+</file>
+
+<file path=ppt/slides/slide13.xml><?xml version="1.0" encoding="utf-8"?>
+<p:sld xmlns:a="http://schemas.openxmlformats.org/drawingml/2006/main" xmlns:r="http://schemas.openxmlformats.org/officeDocument/2006/relationships" xmlns:p="http://schemas.openxmlformats.org/presentationml/2006/main">
+  <p:cSld>
+    <p:spTree>
+      <p:nvGrpSpPr>
+        <p:cNvPr id="1" name=""/>
+        <p:cNvGrpSpPr/>
+        <p:nvPr/>
+      </p:nvGrpSpPr>
+      <p:grpSpPr>
+        <a:xfrm>
+          <a:off x="0" y="0"/>
+          <a:ext cx="0" cy="0"/>
+          <a:chOff x="0" y="0"/>
+          <a:chExt cx="0" cy="0"/>
+        </a:xfrm>
+      </p:grpSpPr>
+      <p:sp>
+        <p:nvSpPr>
+          <p:cNvPr id="2" name="Title 1"/>
+          <p:cNvSpPr>
+            <a:spLocks noGrp="1"/>
+          </p:cNvSpPr>
+          <p:nvPr>
+            <p:ph type="title"/>
+          </p:nvPr>
+        </p:nvSpPr>
+        <p:spPr>
+          <a:xfrm>
+            <a:off x="628650" y="155263"/>
+            <a:ext cx="7886700" cy="526790"/>
+          </a:xfrm>
+        </p:spPr>
+        <p:txBody>
+          <a:bodyPr>
+            <a:normAutofit fontScale="90000"/>
+          </a:bodyPr>
+          <a:lstStyle/>
+          <a:p>
+            <a:pPr algn="ctr"/>
+            <a:r>
+              <a:rPr lang="en-US" altLang="zh-CN" sz="3200" b="1" dirty="0">
+                <a:latin typeface="Calibri" panose="020F0502020204030204" pitchFamily="34" charset="0"/>
+                <a:cs typeface="Calibri" panose="020F0502020204030204" pitchFamily="34" charset="0"/>
+              </a:rPr>
               <a:t>API vs Non API Application</a:t>
             </a:r>
             <a:endParaRPr lang="en-US" altLang="zh-CN" sz="3200" b="1" dirty="0">
@@ -8448,7 +8626,7 @@
 </p:sld>
 </file>
 
-<file path=ppt/slides/slide13.xml><?xml version="1.0" encoding="utf-8"?>
+<file path=ppt/slides/slide14.xml><?xml version="1.0" encoding="utf-8"?>
 <p:sld xmlns:a="http://schemas.openxmlformats.org/drawingml/2006/main" xmlns:r="http://schemas.openxmlformats.org/officeDocument/2006/relationships" xmlns:p="http://schemas.openxmlformats.org/presentationml/2006/main">
   <p:cSld>
     <p:spTree>
@@ -8613,7 +8791,7 @@
 </p:sld>
 </file>
 
-<file path=ppt/slides/slide14.xml><?xml version="1.0" encoding="utf-8"?>
+<file path=ppt/slides/slide15.xml><?xml version="1.0" encoding="utf-8"?>
 <p:sld xmlns:a="http://schemas.openxmlformats.org/drawingml/2006/main" xmlns:r="http://schemas.openxmlformats.org/officeDocument/2006/relationships" xmlns:p="http://schemas.openxmlformats.org/presentationml/2006/main">
   <p:cSld>
     <p:spTree>
@@ -8779,7 +8957,7 @@
 </p:sld>
 </file>
 
-<file path=ppt/slides/slide15.xml><?xml version="1.0" encoding="utf-8"?>
+<file path=ppt/slides/slide16.xml><?xml version="1.0" encoding="utf-8"?>
 <p:sld xmlns:a="http://schemas.openxmlformats.org/drawingml/2006/main" xmlns:r="http://schemas.openxmlformats.org/officeDocument/2006/relationships" xmlns:p="http://schemas.openxmlformats.org/presentationml/2006/main">
   <p:cSld>
     <p:spTree>
@@ -9089,7 +9267,7 @@
 </p:sld>
 </file>
 
-<file path=ppt/slides/slide16.xml><?xml version="1.0" encoding="utf-8"?>
+<file path=ppt/slides/slide17.xml><?xml version="1.0" encoding="utf-8"?>
 <p:sld xmlns:a="http://schemas.openxmlformats.org/drawingml/2006/main" xmlns:r="http://schemas.openxmlformats.org/officeDocument/2006/relationships" xmlns:p="http://schemas.openxmlformats.org/presentationml/2006/main">
   <p:cSld>
     <p:spTree>
@@ -9219,7 +9397,7 @@
 </p:sld>
 </file>
 
-<file path=ppt/slides/slide17.xml><?xml version="1.0" encoding="utf-8"?>
+<file path=ppt/slides/slide18.xml><?xml version="1.0" encoding="utf-8"?>
 <p:sld xmlns:a="http://schemas.openxmlformats.org/drawingml/2006/main" xmlns:r="http://schemas.openxmlformats.org/officeDocument/2006/relationships" xmlns:p="http://schemas.openxmlformats.org/presentationml/2006/main">
   <p:cSld>
     <p:spTree>
